--- a/Docs/Grade Pulse.pptx
+++ b/Docs/Grade Pulse.pptx
@@ -5,29 +5,30 @@
     <p:sldMasterId id="2147483650" r:id="rId4"/>
   </p:sldMasterIdLst>
   <p:notesMasterIdLst>
-    <p:notesMasterId r:id="rId22"/>
+    <p:notesMasterId r:id="rId23"/>
   </p:notesMasterIdLst>
   <p:handoutMasterIdLst>
-    <p:handoutMasterId r:id="rId23"/>
+    <p:handoutMasterId r:id="rId24"/>
   </p:handoutMasterIdLst>
   <p:sldIdLst>
     <p:sldId id="312" r:id="rId5"/>
     <p:sldId id="304" r:id="rId6"/>
     <p:sldId id="281" r:id="rId7"/>
     <p:sldId id="282" r:id="rId8"/>
-    <p:sldId id="314" r:id="rId9"/>
-    <p:sldId id="315" r:id="rId10"/>
-    <p:sldId id="323" r:id="rId11"/>
-    <p:sldId id="330" r:id="rId12"/>
-    <p:sldId id="317" r:id="rId13"/>
-    <p:sldId id="324" r:id="rId14"/>
-    <p:sldId id="325" r:id="rId15"/>
-    <p:sldId id="326" r:id="rId16"/>
-    <p:sldId id="327" r:id="rId17"/>
-    <p:sldId id="328" r:id="rId18"/>
-    <p:sldId id="329" r:id="rId19"/>
-    <p:sldId id="331" r:id="rId20"/>
-    <p:sldId id="297" r:id="rId21"/>
+    <p:sldId id="332" r:id="rId9"/>
+    <p:sldId id="333" r:id="rId10"/>
+    <p:sldId id="314" r:id="rId11"/>
+    <p:sldId id="315" r:id="rId12"/>
+    <p:sldId id="323" r:id="rId13"/>
+    <p:sldId id="330" r:id="rId14"/>
+    <p:sldId id="317" r:id="rId15"/>
+    <p:sldId id="324" r:id="rId16"/>
+    <p:sldId id="325" r:id="rId17"/>
+    <p:sldId id="326" r:id="rId18"/>
+    <p:sldId id="327" r:id="rId19"/>
+    <p:sldId id="329" r:id="rId20"/>
+    <p:sldId id="331" r:id="rId21"/>
+    <p:sldId id="297" r:id="rId22"/>
   </p:sldIdLst>
   <p:sldSz cx="12192000" cy="6858000"/>
   <p:notesSz cx="13716000" cy="24384000"/>
@@ -706,7 +707,7 @@
     </p:spTree>
     <p:extLst>
       <p:ext uri="{BB962C8B-B14F-4D97-AF65-F5344CB8AC3E}">
-        <p14:creationId xmlns:p14="http://schemas.microsoft.com/office/powerpoint/2010/main" val="251617994"/>
+        <p14:creationId xmlns:p14="http://schemas.microsoft.com/office/powerpoint/2010/main" val="626835717"/>
       </p:ext>
     </p:extLst>
   </p:cSld>
@@ -789,7 +790,7 @@
     </p:spTree>
     <p:extLst>
       <p:ext uri="{BB962C8B-B14F-4D97-AF65-F5344CB8AC3E}">
-        <p14:creationId xmlns:p14="http://schemas.microsoft.com/office/powerpoint/2010/main" val="277015604"/>
+        <p14:creationId xmlns:p14="http://schemas.microsoft.com/office/powerpoint/2010/main" val="177914689"/>
       </p:ext>
     </p:extLst>
   </p:cSld>
@@ -872,7 +873,7 @@
     </p:spTree>
     <p:extLst>
       <p:ext uri="{BB962C8B-B14F-4D97-AF65-F5344CB8AC3E}">
-        <p14:creationId xmlns:p14="http://schemas.microsoft.com/office/powerpoint/2010/main" val="3895205843"/>
+        <p14:creationId xmlns:p14="http://schemas.microsoft.com/office/powerpoint/2010/main" val="251617994"/>
       </p:ext>
     </p:extLst>
   </p:cSld>
@@ -955,7 +956,7 @@
     </p:spTree>
     <p:extLst>
       <p:ext uri="{BB962C8B-B14F-4D97-AF65-F5344CB8AC3E}">
-        <p14:creationId xmlns:p14="http://schemas.microsoft.com/office/powerpoint/2010/main" val="2017680760"/>
+        <p14:creationId xmlns:p14="http://schemas.microsoft.com/office/powerpoint/2010/main" val="277015604"/>
       </p:ext>
     </p:extLst>
   </p:cSld>
@@ -1038,7 +1039,7 @@
     </p:spTree>
     <p:extLst>
       <p:ext uri="{BB962C8B-B14F-4D97-AF65-F5344CB8AC3E}">
-        <p14:creationId xmlns:p14="http://schemas.microsoft.com/office/powerpoint/2010/main" val="815346618"/>
+        <p14:creationId xmlns:p14="http://schemas.microsoft.com/office/powerpoint/2010/main" val="3895205843"/>
       </p:ext>
     </p:extLst>
   </p:cSld>
@@ -1121,7 +1122,7 @@
     </p:spTree>
     <p:extLst>
       <p:ext uri="{BB962C8B-B14F-4D97-AF65-F5344CB8AC3E}">
-        <p14:creationId xmlns:p14="http://schemas.microsoft.com/office/powerpoint/2010/main" val="267080580"/>
+        <p14:creationId xmlns:p14="http://schemas.microsoft.com/office/powerpoint/2010/main" val="2017680760"/>
       </p:ext>
     </p:extLst>
   </p:cSld>
@@ -1204,6 +1205,89 @@
     </p:spTree>
     <p:extLst>
       <p:ext uri="{BB962C8B-B14F-4D97-AF65-F5344CB8AC3E}">
+        <p14:creationId xmlns:p14="http://schemas.microsoft.com/office/powerpoint/2010/main" val="267080580"/>
+      </p:ext>
+    </p:extLst>
+  </p:cSld>
+  <p:clrMapOvr>
+    <a:masterClrMapping/>
+  </p:clrMapOvr>
+</p:notes>
+</file>
+
+<file path=ppt/notesSlides/notesSlide17.xml><?xml version="1.0" encoding="utf-8"?>
+<p:notes xmlns:a="http://schemas.openxmlformats.org/drawingml/2006/main" xmlns:r="http://schemas.openxmlformats.org/officeDocument/2006/relationships" xmlns:p="http://schemas.openxmlformats.org/presentationml/2006/main">
+  <p:cSld>
+    <p:spTree>
+      <p:nvGrpSpPr>
+        <p:cNvPr id="1" name=""/>
+        <p:cNvGrpSpPr/>
+        <p:nvPr/>
+      </p:nvGrpSpPr>
+      <p:grpSpPr>
+        <a:xfrm>
+          <a:off x="0" y="0"/>
+          <a:ext cx="0" cy="0"/>
+          <a:chOff x="0" y="0"/>
+          <a:chExt cx="0" cy="0"/>
+        </a:xfrm>
+      </p:grpSpPr>
+      <p:sp>
+        <p:nvSpPr>
+          <p:cNvPr id="2" name="Slide Image Placeholder 1"/>
+          <p:cNvSpPr>
+            <a:spLocks noGrp="1" noRot="1" noChangeAspect="1"/>
+          </p:cNvSpPr>
+          <p:nvPr>
+            <p:ph type="sldImg"/>
+          </p:nvPr>
+        </p:nvSpPr>
+        <p:spPr>
+          <a:xfrm>
+            <a:off x="-457200" y="3048000"/>
+            <a:ext cx="14630400" cy="8229600"/>
+          </a:xfrm>
+          <a:prstGeom prst="rect">
+            <a:avLst/>
+          </a:prstGeom>
+          <a:noFill/>
+          <a:ln w="12700">
+            <a:solidFill>
+              <a:prstClr val="black"/>
+            </a:solidFill>
+          </a:ln>
+        </p:spPr>
+      </p:sp>
+      <p:sp>
+        <p:nvSpPr>
+          <p:cNvPr id="3" name="Notes Placeholder 2"/>
+          <p:cNvSpPr>
+            <a:spLocks noGrp="1"/>
+          </p:cNvSpPr>
+          <p:nvPr>
+            <p:ph type="body" idx="1"/>
+          </p:nvPr>
+        </p:nvSpPr>
+        <p:spPr>
+          <a:xfrm>
+            <a:off x="1371600" y="11734800"/>
+            <a:ext cx="10972800" cy="9601200"/>
+          </a:xfrm>
+          <a:prstGeom prst="rect">
+            <a:avLst/>
+          </a:prstGeom>
+        </p:spPr>
+        <p:txBody>
+          <a:bodyPr/>
+          <a:lstStyle/>
+          <a:p>
+            <a:endParaRPr lang="en-US" dirty="0"/>
+          </a:p>
+        </p:txBody>
+      </p:sp>
+    </p:spTree>
+    <p:extLst>
+      <p:ext uri="{BB962C8B-B14F-4D97-AF65-F5344CB8AC3E}">
         <p14:creationId xmlns:p14="http://schemas.microsoft.com/office/powerpoint/2010/main" val="2910014787"/>
       </p:ext>
     </p:extLst>
@@ -1214,7 +1298,7 @@
 </p:notes>
 </file>
 
-<file path=ppt/notesSlides/notesSlide17.xml><?xml version="1.0" encoding="utf-8"?>
+<file path=ppt/notesSlides/notesSlide18.xml><?xml version="1.0" encoding="utf-8"?>
 <p:notes xmlns:a="http://schemas.openxmlformats.org/drawingml/2006/main" xmlns:r="http://schemas.openxmlformats.org/officeDocument/2006/relationships" xmlns:p="http://schemas.openxmlformats.org/presentationml/2006/main">
   <p:cSld>
     <p:spTree>
@@ -1619,7 +1703,7 @@
     </p:spTree>
     <p:extLst>
       <p:ext uri="{BB962C8B-B14F-4D97-AF65-F5344CB8AC3E}">
-        <p14:creationId xmlns:p14="http://schemas.microsoft.com/office/powerpoint/2010/main" val="87667087"/>
+        <p14:creationId xmlns:p14="http://schemas.microsoft.com/office/powerpoint/2010/main" val="1559040817"/>
       </p:ext>
     </p:extLst>
   </p:cSld>
@@ -1702,7 +1786,7 @@
     </p:spTree>
     <p:extLst>
       <p:ext uri="{BB962C8B-B14F-4D97-AF65-F5344CB8AC3E}">
-        <p14:creationId xmlns:p14="http://schemas.microsoft.com/office/powerpoint/2010/main" val="1649742202"/>
+        <p14:creationId xmlns:p14="http://schemas.microsoft.com/office/powerpoint/2010/main" val="69766859"/>
       </p:ext>
     </p:extLst>
   </p:cSld>
@@ -1785,7 +1869,7 @@
     </p:spTree>
     <p:extLst>
       <p:ext uri="{BB962C8B-B14F-4D97-AF65-F5344CB8AC3E}">
-        <p14:creationId xmlns:p14="http://schemas.microsoft.com/office/powerpoint/2010/main" val="1946848710"/>
+        <p14:creationId xmlns:p14="http://schemas.microsoft.com/office/powerpoint/2010/main" val="87667087"/>
       </p:ext>
     </p:extLst>
   </p:cSld>
@@ -1868,7 +1952,7 @@
     </p:spTree>
     <p:extLst>
       <p:ext uri="{BB962C8B-B14F-4D97-AF65-F5344CB8AC3E}">
-        <p14:creationId xmlns:p14="http://schemas.microsoft.com/office/powerpoint/2010/main" val="626835717"/>
+        <p14:creationId xmlns:p14="http://schemas.microsoft.com/office/powerpoint/2010/main" val="1649742202"/>
       </p:ext>
     </p:extLst>
   </p:cSld>
@@ -1951,7 +2035,7 @@
     </p:spTree>
     <p:extLst>
       <p:ext uri="{BB962C8B-B14F-4D97-AF65-F5344CB8AC3E}">
-        <p14:creationId xmlns:p14="http://schemas.microsoft.com/office/powerpoint/2010/main" val="177914689"/>
+        <p14:creationId xmlns:p14="http://schemas.microsoft.com/office/powerpoint/2010/main" val="1946848710"/>
       </p:ext>
     </p:extLst>
   </p:cSld>
@@ -18205,10 +18289,10 @@
       </p:grpSpPr>
       <p:sp>
         <p:nvSpPr>
-          <p:cNvPr id="3" name="Title 2">
+          <p:cNvPr id="2" name="Title 1">
             <a:extLst>
               <a:ext uri="{FF2B5EF4-FFF2-40B4-BE49-F238E27FC236}">
-                <a16:creationId xmlns:a16="http://schemas.microsoft.com/office/drawing/2014/main" id="{3D55F2D4-C20E-BEBC-1CCF-4449B0456A7E}"/>
+                <a16:creationId xmlns:a16="http://schemas.microsoft.com/office/drawing/2014/main" id="{B28A34A6-22BC-27A4-2C79-EE98A4943B14}"/>
               </a:ext>
             </a:extLst>
           </p:cNvPr>
@@ -18221,8 +18305,8 @@
         </p:nvSpPr>
         <p:spPr>
           <a:xfrm>
-            <a:off x="914400" y="965393"/>
-            <a:ext cx="8159578" cy="603915"/>
+            <a:off x="739670" y="266224"/>
+            <a:ext cx="7796464" cy="619343"/>
           </a:xfrm>
         </p:spPr>
         <p:txBody>
@@ -18231,7 +18315,7 @@
           <a:p>
             <a:r>
               <a:rPr lang="en-IN" dirty="0"/>
-              <a:t>Frontend Implementation</a:t>
+              <a:t>Backend Implementation</a:t>
             </a:r>
             <a:endParaRPr lang="en-US" dirty="0"/>
           </a:p>
@@ -18239,60 +18323,10 @@
       </p:sp>
       <p:sp>
         <p:nvSpPr>
-          <p:cNvPr id="14" name="Content Placeholder 7">
+          <p:cNvPr id="3" name="Slide Number Placeholder 2">
             <a:extLst>
               <a:ext uri="{FF2B5EF4-FFF2-40B4-BE49-F238E27FC236}">
-                <a16:creationId xmlns:a16="http://schemas.microsoft.com/office/drawing/2014/main" id="{749C7CD1-A9AA-49E3-6734-AD9546F2DF5B}"/>
-              </a:ext>
-            </a:extLst>
-          </p:cNvPr>
-          <p:cNvSpPr>
-            <a:spLocks noGrp="1"/>
-          </p:cNvSpPr>
-          <p:nvPr>
-            <p:ph sz="half" idx="15"/>
-          </p:nvPr>
-        </p:nvSpPr>
-        <p:spPr>
-          <a:xfrm>
-            <a:off x="914400" y="1894703"/>
-            <a:ext cx="7199870" cy="4552135"/>
-          </a:xfrm>
-        </p:spPr>
-        <p:txBody>
-          <a:bodyPr>
-            <a:normAutofit/>
-          </a:bodyPr>
-          <a:lstStyle/>
-          <a:p>
-            <a:pPr marL="0" indent="0">
-              <a:buNone/>
-            </a:pPr>
-            <a:r>
-              <a:rPr lang="en-US" sz="2400" dirty="0"/>
-              <a:t>Student Management </a:t>
-            </a:r>
-          </a:p>
-          <a:p>
-            <a:pPr marL="0" indent="0">
-              <a:buNone/>
-            </a:pPr>
-            <a:endParaRPr lang="en-US" sz="2400" dirty="0"/>
-          </a:p>
-          <a:p>
-            <a:pPr marL="0" indent="0">
-              <a:buNone/>
-            </a:pPr>
-            <a:endParaRPr lang="en-US" dirty="0"/>
-          </a:p>
-        </p:txBody>
-      </p:sp>
-      <p:sp>
-        <p:nvSpPr>
-          <p:cNvPr id="4" name="Slide Number Placeholder 3">
-            <a:extLst>
-              <a:ext uri="{FF2B5EF4-FFF2-40B4-BE49-F238E27FC236}">
-                <a16:creationId xmlns:a16="http://schemas.microsoft.com/office/drawing/2014/main" id="{C82CE1B8-1C92-D6D2-444B-652DB90E86D1}"/>
+                <a16:creationId xmlns:a16="http://schemas.microsoft.com/office/drawing/2014/main" id="{7267C004-8B72-C872-98FB-00A2A584D055}"/>
               </a:ext>
             </a:extLst>
           </p:cNvPr>
@@ -18305,8 +18339,8 @@
         </p:nvSpPr>
         <p:spPr>
           <a:xfrm>
-            <a:off x="10358437" y="457199"/>
-            <a:ext cx="1067589" cy="471489"/>
+            <a:off x="10438475" y="457199"/>
+            <a:ext cx="987552" cy="471489"/>
           </a:xfrm>
         </p:spPr>
         <p:txBody>
@@ -18324,10 +18358,10 @@
       </p:sp>
       <p:sp>
         <p:nvSpPr>
-          <p:cNvPr id="5" name="Picture Placeholder 4">
+          <p:cNvPr id="16" name="Content Placeholder 4">
             <a:extLst>
               <a:ext uri="{FF2B5EF4-FFF2-40B4-BE49-F238E27FC236}">
-                <a16:creationId xmlns:a16="http://schemas.microsoft.com/office/drawing/2014/main" id="{F4172187-0D89-4E05-F345-1C67B100918F}"/>
+                <a16:creationId xmlns:a16="http://schemas.microsoft.com/office/drawing/2014/main" id="{AEF9954A-E263-8A7E-58B1-4D03F7D1BD9B}"/>
               </a:ext>
             </a:extLst>
           </p:cNvPr>
@@ -18335,15 +18369,25 @@
             <a:spLocks noGrp="1"/>
           </p:cNvSpPr>
           <p:nvPr>
-            <p:ph type="pic" sz="quarter" idx="14"/>
+            <p:ph sz="half" idx="2"/>
           </p:nvPr>
         </p:nvSpPr>
-        <p:spPr/>
+        <p:spPr>
+          <a:xfrm>
+            <a:off x="914400" y="1392196"/>
+            <a:ext cx="7447005" cy="4631170"/>
+          </a:xfrm>
+        </p:spPr>
         <p:txBody>
-          <a:bodyPr/>
+          <a:bodyPr>
+            <a:normAutofit/>
+          </a:bodyPr>
           <a:lstStyle/>
           <a:p>
-            <a:endParaRPr lang="en-IN"/>
+            <a:r>
+              <a:rPr lang="en-IN" b="1" dirty="0"/>
+              <a:t>Crosstab Response Structure</a:t>
+            </a:r>
           </a:p>
         </p:txBody>
       </p:sp>
@@ -18352,7 +18396,7 @@
           <p:cNvPr id="8" name="Picture 7">
             <a:extLst>
               <a:ext uri="{FF2B5EF4-FFF2-40B4-BE49-F238E27FC236}">
-                <a16:creationId xmlns:a16="http://schemas.microsoft.com/office/drawing/2014/main" id="{F2185CD4-D9F6-F565-411D-FF31C633FC99}"/>
+                <a16:creationId xmlns:a16="http://schemas.microsoft.com/office/drawing/2014/main" id="{3ED7D253-08B0-2808-090A-9E7944BE7C1E}"/>
               </a:ext>
             </a:extLst>
           </p:cNvPr>
@@ -18369,8 +18413,8 @@
         </p:blipFill>
         <p:spPr>
           <a:xfrm>
-            <a:off x="914400" y="2455085"/>
-            <a:ext cx="6906274" cy="3618169"/>
+            <a:off x="609600" y="1143814"/>
+            <a:ext cx="7863985" cy="3856554"/>
           </a:xfrm>
           <a:prstGeom prst="rect">
             <a:avLst/>
@@ -18380,7 +18424,7 @@
     </p:spTree>
     <p:extLst>
       <p:ext uri="{BB962C8B-B14F-4D97-AF65-F5344CB8AC3E}">
-        <p14:creationId xmlns:p14="http://schemas.microsoft.com/office/powerpoint/2010/main" val="1535599321"/>
+        <p14:creationId xmlns:p14="http://schemas.microsoft.com/office/powerpoint/2010/main" val="3153562199"/>
       </p:ext>
     </p:extLst>
   </p:cSld>
@@ -18443,6 +18487,106 @@
       </p:sp>
       <p:sp>
         <p:nvSpPr>
+          <p:cNvPr id="14" name="Content Placeholder 7">
+            <a:extLst>
+              <a:ext uri="{FF2B5EF4-FFF2-40B4-BE49-F238E27FC236}">
+                <a16:creationId xmlns:a16="http://schemas.microsoft.com/office/drawing/2014/main" id="{749C7CD1-A9AA-49E3-6734-AD9546F2DF5B}"/>
+              </a:ext>
+            </a:extLst>
+          </p:cNvPr>
+          <p:cNvSpPr>
+            <a:spLocks noGrp="1"/>
+          </p:cNvSpPr>
+          <p:nvPr>
+            <p:ph sz="half" idx="15"/>
+          </p:nvPr>
+        </p:nvSpPr>
+        <p:spPr>
+          <a:xfrm>
+            <a:off x="914400" y="1894703"/>
+            <a:ext cx="7199870" cy="4552135"/>
+          </a:xfrm>
+        </p:spPr>
+        <p:txBody>
+          <a:bodyPr>
+            <a:normAutofit/>
+          </a:bodyPr>
+          <a:lstStyle/>
+          <a:p>
+            <a:pPr marL="0" indent="0">
+              <a:buNone/>
+            </a:pPr>
+            <a:r>
+              <a:rPr lang="en-US" sz="2400" dirty="0"/>
+              <a:t>Angular Components.</a:t>
+            </a:r>
+          </a:p>
+          <a:p>
+            <a:pPr marL="0" indent="0">
+              <a:buNone/>
+            </a:pPr>
+            <a:endParaRPr lang="en-US" dirty="0"/>
+          </a:p>
+          <a:p>
+            <a:pPr marL="285750" indent="-285750">
+              <a:buFont typeface="Arial" panose="020B0604020202020204" pitchFamily="34" charset="0"/>
+              <a:buChar char="•"/>
+            </a:pPr>
+            <a:r>
+              <a:rPr lang="en-US" dirty="0"/>
+              <a:t>Student Management </a:t>
+            </a:r>
+          </a:p>
+          <a:p>
+            <a:pPr marL="285750" indent="-285750">
+              <a:buFont typeface="Arial" panose="020B0604020202020204" pitchFamily="34" charset="0"/>
+              <a:buChar char="•"/>
+            </a:pPr>
+            <a:r>
+              <a:rPr lang="en-US" dirty="0"/>
+              <a:t>Subject Management</a:t>
+            </a:r>
+          </a:p>
+          <a:p>
+            <a:pPr marL="285750" indent="-285750">
+              <a:buFont typeface="Arial" panose="020B0604020202020204" pitchFamily="34" charset="0"/>
+              <a:buChar char="•"/>
+            </a:pPr>
+            <a:r>
+              <a:rPr lang="en-US" dirty="0"/>
+              <a:t>Grade Management</a:t>
+            </a:r>
+          </a:p>
+          <a:p>
+            <a:pPr marL="285750" indent="-285750">
+              <a:buFont typeface="Arial" panose="020B0604020202020204" pitchFamily="34" charset="0"/>
+              <a:buChar char="•"/>
+            </a:pPr>
+            <a:endParaRPr lang="en-US" dirty="0"/>
+          </a:p>
+          <a:p>
+            <a:pPr marL="0" indent="0">
+              <a:buNone/>
+            </a:pPr>
+            <a:r>
+              <a:rPr lang="en-US" dirty="0"/>
+              <a:t>UI Elements </a:t>
+            </a:r>
+          </a:p>
+          <a:p>
+            <a:pPr marL="285750" indent="-285750">
+              <a:buFont typeface="Arial" panose="020B0604020202020204" pitchFamily="34" charset="0"/>
+              <a:buChar char="•"/>
+            </a:pPr>
+            <a:r>
+              <a:rPr lang="en-US" dirty="0"/>
+              <a:t> Bootstrap </a:t>
+            </a:r>
+          </a:p>
+        </p:txBody>
+      </p:sp>
+      <p:sp>
+        <p:nvSpPr>
           <p:cNvPr id="4" name="Slide Number Placeholder 3">
             <a:extLst>
               <a:ext uri="{FF2B5EF4-FFF2-40B4-BE49-F238E27FC236}">
@@ -18501,40 +18645,10 @@
           </a:p>
         </p:txBody>
       </p:sp>
-      <p:pic>
-        <p:nvPicPr>
-          <p:cNvPr id="6" name="Picture 5">
-            <a:extLst>
-              <a:ext uri="{FF2B5EF4-FFF2-40B4-BE49-F238E27FC236}">
-                <a16:creationId xmlns:a16="http://schemas.microsoft.com/office/drawing/2014/main" id="{963FA940-433A-6253-1B3B-DB6D40703697}"/>
-              </a:ext>
-            </a:extLst>
-          </p:cNvPr>
-          <p:cNvPicPr>
-            <a:picLocks noChangeAspect="1"/>
-          </p:cNvPicPr>
-          <p:nvPr/>
-        </p:nvPicPr>
-        <p:blipFill>
-          <a:blip r:embed="rId3"/>
-          <a:stretch>
-            <a:fillRect/>
-          </a:stretch>
-        </p:blipFill>
-        <p:spPr>
-          <a:xfrm>
-            <a:off x="1033603" y="1940567"/>
-            <a:ext cx="6336188" cy="4284099"/>
-          </a:xfrm>
-          <a:prstGeom prst="rect">
-            <a:avLst/>
-          </a:prstGeom>
-        </p:spPr>
-      </p:pic>
     </p:spTree>
     <p:extLst>
       <p:ext uri="{BB962C8B-B14F-4D97-AF65-F5344CB8AC3E}">
-        <p14:creationId xmlns:p14="http://schemas.microsoft.com/office/powerpoint/2010/main" val="728488936"/>
+        <p14:creationId xmlns:p14="http://schemas.microsoft.com/office/powerpoint/2010/main" val="1941619646"/>
       </p:ext>
     </p:extLst>
   </p:cSld>
@@ -18589,8 +18703,58 @@
           <a:p>
             <a:r>
               <a:rPr lang="en-IN" dirty="0"/>
-              <a:t>Frontend Implementation</a:t>
+              <a:t>Frontend</a:t>
             </a:r>
+            <a:endParaRPr lang="en-US" dirty="0"/>
+          </a:p>
+        </p:txBody>
+      </p:sp>
+      <p:sp>
+        <p:nvSpPr>
+          <p:cNvPr id="14" name="Content Placeholder 7">
+            <a:extLst>
+              <a:ext uri="{FF2B5EF4-FFF2-40B4-BE49-F238E27FC236}">
+                <a16:creationId xmlns:a16="http://schemas.microsoft.com/office/drawing/2014/main" id="{749C7CD1-A9AA-49E3-6734-AD9546F2DF5B}"/>
+              </a:ext>
+            </a:extLst>
+          </p:cNvPr>
+          <p:cNvSpPr>
+            <a:spLocks noGrp="1"/>
+          </p:cNvSpPr>
+          <p:nvPr>
+            <p:ph sz="half" idx="15"/>
+          </p:nvPr>
+        </p:nvSpPr>
+        <p:spPr>
+          <a:xfrm>
+            <a:off x="914400" y="1894703"/>
+            <a:ext cx="7199870" cy="4552135"/>
+          </a:xfrm>
+        </p:spPr>
+        <p:txBody>
+          <a:bodyPr>
+            <a:normAutofit/>
+          </a:bodyPr>
+          <a:lstStyle/>
+          <a:p>
+            <a:pPr marL="0" indent="0">
+              <a:buNone/>
+            </a:pPr>
+            <a:r>
+              <a:rPr lang="en-US" sz="2400" dirty="0"/>
+              <a:t>Student Management </a:t>
+            </a:r>
+          </a:p>
+          <a:p>
+            <a:pPr marL="0" indent="0">
+              <a:buNone/>
+            </a:pPr>
+            <a:endParaRPr lang="en-US" sz="2400" dirty="0"/>
+          </a:p>
+          <a:p>
+            <a:pPr marL="0" indent="0">
+              <a:buNone/>
+            </a:pPr>
             <a:endParaRPr lang="en-US" dirty="0"/>
           </a:p>
         </p:txBody>
@@ -18625,6 +18789,314 @@
               <a:rPr lang="en-US" smtClean="0"/>
               <a:pPr/>
               <a:t>12</a:t>
+            </a:fld>
+            <a:endParaRPr lang="en-US" dirty="0"/>
+          </a:p>
+        </p:txBody>
+      </p:sp>
+      <p:sp>
+        <p:nvSpPr>
+          <p:cNvPr id="5" name="Picture Placeholder 4">
+            <a:extLst>
+              <a:ext uri="{FF2B5EF4-FFF2-40B4-BE49-F238E27FC236}">
+                <a16:creationId xmlns:a16="http://schemas.microsoft.com/office/drawing/2014/main" id="{F4172187-0D89-4E05-F345-1C67B100918F}"/>
+              </a:ext>
+            </a:extLst>
+          </p:cNvPr>
+          <p:cNvSpPr>
+            <a:spLocks noGrp="1"/>
+          </p:cNvSpPr>
+          <p:nvPr>
+            <p:ph type="pic" sz="quarter" idx="14"/>
+          </p:nvPr>
+        </p:nvSpPr>
+        <p:spPr/>
+        <p:txBody>
+          <a:bodyPr/>
+          <a:lstStyle/>
+          <a:p>
+            <a:endParaRPr lang="en-IN"/>
+          </a:p>
+        </p:txBody>
+      </p:sp>
+      <p:pic>
+        <p:nvPicPr>
+          <p:cNvPr id="8" name="Picture 7">
+            <a:extLst>
+              <a:ext uri="{FF2B5EF4-FFF2-40B4-BE49-F238E27FC236}">
+                <a16:creationId xmlns:a16="http://schemas.microsoft.com/office/drawing/2014/main" id="{F2185CD4-D9F6-F565-411D-FF31C633FC99}"/>
+              </a:ext>
+            </a:extLst>
+          </p:cNvPr>
+          <p:cNvPicPr>
+            <a:picLocks noChangeAspect="1"/>
+          </p:cNvPicPr>
+          <p:nvPr/>
+        </p:nvPicPr>
+        <p:blipFill>
+          <a:blip r:embed="rId3"/>
+          <a:stretch>
+            <a:fillRect/>
+          </a:stretch>
+        </p:blipFill>
+        <p:spPr>
+          <a:xfrm>
+            <a:off x="914400" y="2455085"/>
+            <a:ext cx="6906274" cy="3618169"/>
+          </a:xfrm>
+          <a:prstGeom prst="rect">
+            <a:avLst/>
+          </a:prstGeom>
+        </p:spPr>
+      </p:pic>
+    </p:spTree>
+    <p:extLst>
+      <p:ext uri="{BB962C8B-B14F-4D97-AF65-F5344CB8AC3E}">
+        <p14:creationId xmlns:p14="http://schemas.microsoft.com/office/powerpoint/2010/main" val="1535599321"/>
+      </p:ext>
+    </p:extLst>
+  </p:cSld>
+  <p:clrMapOvr>
+    <a:masterClrMapping/>
+  </p:clrMapOvr>
+</p:sld>
+</file>
+
+<file path=ppt/slides/slide13.xml><?xml version="1.0" encoding="utf-8"?>
+<p:sld xmlns:a="http://schemas.openxmlformats.org/drawingml/2006/main" xmlns:r="http://schemas.openxmlformats.org/officeDocument/2006/relationships" xmlns:p="http://schemas.openxmlformats.org/presentationml/2006/main">
+  <p:cSld>
+    <p:spTree>
+      <p:nvGrpSpPr>
+        <p:cNvPr id="1" name=""/>
+        <p:cNvGrpSpPr/>
+        <p:nvPr/>
+      </p:nvGrpSpPr>
+      <p:grpSpPr>
+        <a:xfrm>
+          <a:off x="0" y="0"/>
+          <a:ext cx="0" cy="0"/>
+          <a:chOff x="0" y="0"/>
+          <a:chExt cx="0" cy="0"/>
+        </a:xfrm>
+      </p:grpSpPr>
+      <p:sp>
+        <p:nvSpPr>
+          <p:cNvPr id="3" name="Title 2">
+            <a:extLst>
+              <a:ext uri="{FF2B5EF4-FFF2-40B4-BE49-F238E27FC236}">
+                <a16:creationId xmlns:a16="http://schemas.microsoft.com/office/drawing/2014/main" id="{3D55F2D4-C20E-BEBC-1CCF-4449B0456A7E}"/>
+              </a:ext>
+            </a:extLst>
+          </p:cNvPr>
+          <p:cNvSpPr>
+            <a:spLocks noGrp="1"/>
+          </p:cNvSpPr>
+          <p:nvPr>
+            <p:ph type="title"/>
+          </p:nvPr>
+        </p:nvSpPr>
+        <p:spPr>
+          <a:xfrm>
+            <a:off x="914400" y="965393"/>
+            <a:ext cx="8159578" cy="603915"/>
+          </a:xfrm>
+        </p:spPr>
+        <p:txBody>
+          <a:bodyPr/>
+          <a:lstStyle/>
+          <a:p>
+            <a:r>
+              <a:rPr lang="en-IN" dirty="0"/>
+              <a:t>Frontend</a:t>
+            </a:r>
+            <a:endParaRPr lang="en-US" dirty="0"/>
+          </a:p>
+        </p:txBody>
+      </p:sp>
+      <p:sp>
+        <p:nvSpPr>
+          <p:cNvPr id="4" name="Slide Number Placeholder 3">
+            <a:extLst>
+              <a:ext uri="{FF2B5EF4-FFF2-40B4-BE49-F238E27FC236}">
+                <a16:creationId xmlns:a16="http://schemas.microsoft.com/office/drawing/2014/main" id="{C82CE1B8-1C92-D6D2-444B-652DB90E86D1}"/>
+              </a:ext>
+            </a:extLst>
+          </p:cNvPr>
+          <p:cNvSpPr>
+            <a:spLocks noGrp="1"/>
+          </p:cNvSpPr>
+          <p:nvPr>
+            <p:ph type="sldNum" sz="quarter" idx="10"/>
+          </p:nvPr>
+        </p:nvSpPr>
+        <p:spPr>
+          <a:xfrm>
+            <a:off x="10358437" y="457199"/>
+            <a:ext cx="1067589" cy="471489"/>
+          </a:xfrm>
+        </p:spPr>
+        <p:txBody>
+          <a:bodyPr/>
+          <a:lstStyle/>
+          <a:p>
+            <a:fld id="{48F63A3B-78C7-47BE-AE5E-E10140E04643}" type="slidenum">
+              <a:rPr lang="en-US" smtClean="0"/>
+              <a:pPr/>
+              <a:t>13</a:t>
+            </a:fld>
+            <a:endParaRPr lang="en-US" dirty="0"/>
+          </a:p>
+        </p:txBody>
+      </p:sp>
+      <p:sp>
+        <p:nvSpPr>
+          <p:cNvPr id="5" name="Picture Placeholder 4">
+            <a:extLst>
+              <a:ext uri="{FF2B5EF4-FFF2-40B4-BE49-F238E27FC236}">
+                <a16:creationId xmlns:a16="http://schemas.microsoft.com/office/drawing/2014/main" id="{F4172187-0D89-4E05-F345-1C67B100918F}"/>
+              </a:ext>
+            </a:extLst>
+          </p:cNvPr>
+          <p:cNvSpPr>
+            <a:spLocks noGrp="1"/>
+          </p:cNvSpPr>
+          <p:nvPr>
+            <p:ph type="pic" sz="quarter" idx="14"/>
+          </p:nvPr>
+        </p:nvSpPr>
+        <p:spPr/>
+        <p:txBody>
+          <a:bodyPr/>
+          <a:lstStyle/>
+          <a:p>
+            <a:endParaRPr lang="en-IN"/>
+          </a:p>
+        </p:txBody>
+      </p:sp>
+      <p:pic>
+        <p:nvPicPr>
+          <p:cNvPr id="6" name="Picture 5">
+            <a:extLst>
+              <a:ext uri="{FF2B5EF4-FFF2-40B4-BE49-F238E27FC236}">
+                <a16:creationId xmlns:a16="http://schemas.microsoft.com/office/drawing/2014/main" id="{963FA940-433A-6253-1B3B-DB6D40703697}"/>
+              </a:ext>
+            </a:extLst>
+          </p:cNvPr>
+          <p:cNvPicPr>
+            <a:picLocks noChangeAspect="1"/>
+          </p:cNvPicPr>
+          <p:nvPr/>
+        </p:nvPicPr>
+        <p:blipFill>
+          <a:blip r:embed="rId3"/>
+          <a:stretch>
+            <a:fillRect/>
+          </a:stretch>
+        </p:blipFill>
+        <p:spPr>
+          <a:xfrm>
+            <a:off x="1033603" y="1940567"/>
+            <a:ext cx="6336188" cy="4284099"/>
+          </a:xfrm>
+          <a:prstGeom prst="rect">
+            <a:avLst/>
+          </a:prstGeom>
+        </p:spPr>
+      </p:pic>
+    </p:spTree>
+    <p:extLst>
+      <p:ext uri="{BB962C8B-B14F-4D97-AF65-F5344CB8AC3E}">
+        <p14:creationId xmlns:p14="http://schemas.microsoft.com/office/powerpoint/2010/main" val="728488936"/>
+      </p:ext>
+    </p:extLst>
+  </p:cSld>
+  <p:clrMapOvr>
+    <a:masterClrMapping/>
+  </p:clrMapOvr>
+</p:sld>
+</file>
+
+<file path=ppt/slides/slide14.xml><?xml version="1.0" encoding="utf-8"?>
+<p:sld xmlns:a="http://schemas.openxmlformats.org/drawingml/2006/main" xmlns:r="http://schemas.openxmlformats.org/officeDocument/2006/relationships" xmlns:p="http://schemas.openxmlformats.org/presentationml/2006/main">
+  <p:cSld>
+    <p:spTree>
+      <p:nvGrpSpPr>
+        <p:cNvPr id="1" name=""/>
+        <p:cNvGrpSpPr/>
+        <p:nvPr/>
+      </p:nvGrpSpPr>
+      <p:grpSpPr>
+        <a:xfrm>
+          <a:off x="0" y="0"/>
+          <a:ext cx="0" cy="0"/>
+          <a:chOff x="0" y="0"/>
+          <a:chExt cx="0" cy="0"/>
+        </a:xfrm>
+      </p:grpSpPr>
+      <p:sp>
+        <p:nvSpPr>
+          <p:cNvPr id="3" name="Title 2">
+            <a:extLst>
+              <a:ext uri="{FF2B5EF4-FFF2-40B4-BE49-F238E27FC236}">
+                <a16:creationId xmlns:a16="http://schemas.microsoft.com/office/drawing/2014/main" id="{3D55F2D4-C20E-BEBC-1CCF-4449B0456A7E}"/>
+              </a:ext>
+            </a:extLst>
+          </p:cNvPr>
+          <p:cNvSpPr>
+            <a:spLocks noGrp="1"/>
+          </p:cNvSpPr>
+          <p:nvPr>
+            <p:ph type="title"/>
+          </p:nvPr>
+        </p:nvSpPr>
+        <p:spPr>
+          <a:xfrm>
+            <a:off x="914400" y="965393"/>
+            <a:ext cx="8159578" cy="603915"/>
+          </a:xfrm>
+        </p:spPr>
+        <p:txBody>
+          <a:bodyPr/>
+          <a:lstStyle/>
+          <a:p>
+            <a:r>
+              <a:rPr lang="en-IN" dirty="0"/>
+              <a:t>Frontend</a:t>
+            </a:r>
+            <a:endParaRPr lang="en-US" dirty="0"/>
+          </a:p>
+        </p:txBody>
+      </p:sp>
+      <p:sp>
+        <p:nvSpPr>
+          <p:cNvPr id="4" name="Slide Number Placeholder 3">
+            <a:extLst>
+              <a:ext uri="{FF2B5EF4-FFF2-40B4-BE49-F238E27FC236}">
+                <a16:creationId xmlns:a16="http://schemas.microsoft.com/office/drawing/2014/main" id="{C82CE1B8-1C92-D6D2-444B-652DB90E86D1}"/>
+              </a:ext>
+            </a:extLst>
+          </p:cNvPr>
+          <p:cNvSpPr>
+            <a:spLocks noGrp="1"/>
+          </p:cNvSpPr>
+          <p:nvPr>
+            <p:ph type="sldNum" sz="quarter" idx="10"/>
+          </p:nvPr>
+        </p:nvSpPr>
+        <p:spPr>
+          <a:xfrm>
+            <a:off x="10358437" y="457199"/>
+            <a:ext cx="1067589" cy="471489"/>
+          </a:xfrm>
+        </p:spPr>
+        <p:txBody>
+          <a:bodyPr/>
+          <a:lstStyle/>
+          <a:p>
+            <a:fld id="{48F63A3B-78C7-47BE-AE5E-E10140E04643}" type="slidenum">
+              <a:rPr lang="en-US" smtClean="0"/>
+              <a:pPr/>
+              <a:t>14</a:t>
             </a:fld>
             <a:endParaRPr lang="en-US" dirty="0"/>
           </a:p>
@@ -18748,7 +19220,7 @@
 </p:sld>
 </file>
 
-<file path=ppt/slides/slide13.xml><?xml version="1.0" encoding="utf-8"?>
+<file path=ppt/slides/slide15.xml><?xml version="1.0" encoding="utf-8"?>
 <p:sld xmlns:a="http://schemas.openxmlformats.org/drawingml/2006/main" xmlns:r="http://schemas.openxmlformats.org/officeDocument/2006/relationships" xmlns:p="http://schemas.openxmlformats.org/presentationml/2006/main">
   <p:cSld>
     <p:spTree>
@@ -18828,7 +19300,7 @@
             <a:fld id="{48F63A3B-78C7-47BE-AE5E-E10140E04643}" type="slidenum">
               <a:rPr lang="en-US" smtClean="0"/>
               <a:pPr/>
-              <a:t>13</a:t>
+              <a:t>15</a:t>
             </a:fld>
             <a:endParaRPr lang="en-US" dirty="0"/>
           </a:p>
@@ -18952,7 +19424,7 @@
 </p:sld>
 </file>
 
-<file path=ppt/slides/slide14.xml><?xml version="1.0" encoding="utf-8"?>
+<file path=ppt/slides/slide16.xml><?xml version="1.0" encoding="utf-8"?>
 <p:sld xmlns:a="http://schemas.openxmlformats.org/drawingml/2006/main" xmlns:r="http://schemas.openxmlformats.org/officeDocument/2006/relationships" xmlns:p="http://schemas.openxmlformats.org/presentationml/2006/main">
   <p:cSld>
     <p:spTree>
@@ -19032,211 +19504,7 @@
             <a:fld id="{48F63A3B-78C7-47BE-AE5E-E10140E04643}" type="slidenum">
               <a:rPr lang="en-US" smtClean="0"/>
               <a:pPr/>
-              <a:t>14</a:t>
-            </a:fld>
-            <a:endParaRPr lang="en-US" dirty="0"/>
-          </a:p>
-        </p:txBody>
-      </p:sp>
-      <p:sp>
-        <p:nvSpPr>
-          <p:cNvPr id="5" name="Picture Placeholder 4">
-            <a:extLst>
-              <a:ext uri="{FF2B5EF4-FFF2-40B4-BE49-F238E27FC236}">
-                <a16:creationId xmlns:a16="http://schemas.microsoft.com/office/drawing/2014/main" id="{F4172187-0D89-4E05-F345-1C67B100918F}"/>
-              </a:ext>
-            </a:extLst>
-          </p:cNvPr>
-          <p:cNvSpPr>
-            <a:spLocks noGrp="1"/>
-          </p:cNvSpPr>
-          <p:nvPr>
-            <p:ph type="pic" sz="quarter" idx="14"/>
-          </p:nvPr>
-        </p:nvSpPr>
-        <p:spPr/>
-        <p:txBody>
-          <a:bodyPr/>
-          <a:lstStyle/>
-          <a:p>
-            <a:endParaRPr lang="en-IN"/>
-          </a:p>
-        </p:txBody>
-      </p:sp>
-      <p:sp>
-        <p:nvSpPr>
-          <p:cNvPr id="9" name="Content Placeholder 7">
-            <a:extLst>
-              <a:ext uri="{FF2B5EF4-FFF2-40B4-BE49-F238E27FC236}">
-                <a16:creationId xmlns:a16="http://schemas.microsoft.com/office/drawing/2014/main" id="{F09493FA-CE3E-4260-169C-6AC89BC5BDB9}"/>
-              </a:ext>
-            </a:extLst>
-          </p:cNvPr>
-          <p:cNvSpPr>
-            <a:spLocks noGrp="1"/>
-          </p:cNvSpPr>
-          <p:nvPr>
-            <p:ph sz="half" idx="15"/>
-          </p:nvPr>
-        </p:nvSpPr>
-        <p:spPr>
-          <a:xfrm>
-            <a:off x="914400" y="1812816"/>
-            <a:ext cx="7199870" cy="4552135"/>
-          </a:xfrm>
-        </p:spPr>
-        <p:txBody>
-          <a:bodyPr>
-            <a:normAutofit/>
-          </a:bodyPr>
-          <a:lstStyle/>
-          <a:p>
-            <a:pPr marL="0" indent="0">
-              <a:buNone/>
-            </a:pPr>
-            <a:r>
-              <a:rPr lang="en-US" sz="2400" dirty="0"/>
-              <a:t>Grade Management </a:t>
-            </a:r>
-          </a:p>
-          <a:p>
-            <a:pPr marL="0" indent="0">
-              <a:buNone/>
-            </a:pPr>
-            <a:endParaRPr lang="en-US" sz="2400" dirty="0"/>
-          </a:p>
-          <a:p>
-            <a:pPr marL="0" indent="0">
-              <a:buNone/>
-            </a:pPr>
-            <a:endParaRPr lang="en-US" dirty="0"/>
-          </a:p>
-        </p:txBody>
-      </p:sp>
-      <p:pic>
-        <p:nvPicPr>
-          <p:cNvPr id="7" name="Picture 6">
-            <a:extLst>
-              <a:ext uri="{FF2B5EF4-FFF2-40B4-BE49-F238E27FC236}">
-                <a16:creationId xmlns:a16="http://schemas.microsoft.com/office/drawing/2014/main" id="{A22DCF85-796D-AF20-F4D9-57ED9CB151E9}"/>
-              </a:ext>
-            </a:extLst>
-          </p:cNvPr>
-          <p:cNvPicPr>
-            <a:picLocks noChangeAspect="1"/>
-          </p:cNvPicPr>
-          <p:nvPr/>
-        </p:nvPicPr>
-        <p:blipFill>
-          <a:blip r:embed="rId3"/>
-          <a:stretch>
-            <a:fillRect/>
-          </a:stretch>
-        </p:blipFill>
-        <p:spPr>
-          <a:xfrm>
-            <a:off x="612804" y="2333658"/>
-            <a:ext cx="8258241" cy="2467680"/>
-          </a:xfrm>
-          <a:prstGeom prst="rect">
-            <a:avLst/>
-          </a:prstGeom>
-        </p:spPr>
-      </p:pic>
-    </p:spTree>
-    <p:extLst>
-      <p:ext uri="{BB962C8B-B14F-4D97-AF65-F5344CB8AC3E}">
-        <p14:creationId xmlns:p14="http://schemas.microsoft.com/office/powerpoint/2010/main" val="3883358607"/>
-      </p:ext>
-    </p:extLst>
-  </p:cSld>
-  <p:clrMapOvr>
-    <a:masterClrMapping/>
-  </p:clrMapOvr>
-</p:sld>
-</file>
-
-<file path=ppt/slides/slide15.xml><?xml version="1.0" encoding="utf-8"?>
-<p:sld xmlns:a="http://schemas.openxmlformats.org/drawingml/2006/main" xmlns:r="http://schemas.openxmlformats.org/officeDocument/2006/relationships" xmlns:p="http://schemas.openxmlformats.org/presentationml/2006/main">
-  <p:cSld>
-    <p:spTree>
-      <p:nvGrpSpPr>
-        <p:cNvPr id="1" name=""/>
-        <p:cNvGrpSpPr/>
-        <p:nvPr/>
-      </p:nvGrpSpPr>
-      <p:grpSpPr>
-        <a:xfrm>
-          <a:off x="0" y="0"/>
-          <a:ext cx="0" cy="0"/>
-          <a:chOff x="0" y="0"/>
-          <a:chExt cx="0" cy="0"/>
-        </a:xfrm>
-      </p:grpSpPr>
-      <p:sp>
-        <p:nvSpPr>
-          <p:cNvPr id="3" name="Title 2">
-            <a:extLst>
-              <a:ext uri="{FF2B5EF4-FFF2-40B4-BE49-F238E27FC236}">
-                <a16:creationId xmlns:a16="http://schemas.microsoft.com/office/drawing/2014/main" id="{3D55F2D4-C20E-BEBC-1CCF-4449B0456A7E}"/>
-              </a:ext>
-            </a:extLst>
-          </p:cNvPr>
-          <p:cNvSpPr>
-            <a:spLocks noGrp="1"/>
-          </p:cNvSpPr>
-          <p:nvPr>
-            <p:ph type="title"/>
-          </p:nvPr>
-        </p:nvSpPr>
-        <p:spPr>
-          <a:xfrm>
-            <a:off x="914400" y="965393"/>
-            <a:ext cx="8159578" cy="603915"/>
-          </a:xfrm>
-        </p:spPr>
-        <p:txBody>
-          <a:bodyPr/>
-          <a:lstStyle/>
-          <a:p>
-            <a:r>
-              <a:rPr lang="en-IN" dirty="0"/>
-              <a:t>Frontend Implementation</a:t>
-            </a:r>
-            <a:endParaRPr lang="en-US" dirty="0"/>
-          </a:p>
-        </p:txBody>
-      </p:sp>
-      <p:sp>
-        <p:nvSpPr>
-          <p:cNvPr id="4" name="Slide Number Placeholder 3">
-            <a:extLst>
-              <a:ext uri="{FF2B5EF4-FFF2-40B4-BE49-F238E27FC236}">
-                <a16:creationId xmlns:a16="http://schemas.microsoft.com/office/drawing/2014/main" id="{C82CE1B8-1C92-D6D2-444B-652DB90E86D1}"/>
-              </a:ext>
-            </a:extLst>
-          </p:cNvPr>
-          <p:cNvSpPr>
-            <a:spLocks noGrp="1"/>
-          </p:cNvSpPr>
-          <p:nvPr>
-            <p:ph type="sldNum" sz="quarter" idx="10"/>
-          </p:nvPr>
-        </p:nvSpPr>
-        <p:spPr>
-          <a:xfrm>
-            <a:off x="10358437" y="457199"/>
-            <a:ext cx="1067589" cy="471489"/>
-          </a:xfrm>
-        </p:spPr>
-        <p:txBody>
-          <a:bodyPr/>
-          <a:lstStyle/>
-          <a:p>
-            <a:fld id="{48F63A3B-78C7-47BE-AE5E-E10140E04643}" type="slidenum">
-              <a:rPr lang="en-US" smtClean="0"/>
-              <a:pPr/>
-              <a:t>15</a:t>
+              <a:t>16</a:t>
             </a:fld>
             <a:endParaRPr lang="en-US" dirty="0"/>
           </a:p>
@@ -19360,7 +19628,7 @@
 </p:sld>
 </file>
 
-<file path=ppt/slides/slide16.xml><?xml version="1.0" encoding="utf-8"?>
+<file path=ppt/slides/slide17.xml><?xml version="1.0" encoding="utf-8"?>
 <p:sld xmlns:a="http://schemas.openxmlformats.org/drawingml/2006/main" xmlns:r="http://schemas.openxmlformats.org/officeDocument/2006/relationships" xmlns:p="http://schemas.openxmlformats.org/presentationml/2006/main">
   <p:cSld>
     <p:spTree>
@@ -19440,7 +19708,7 @@
             <a:fld id="{48F63A3B-78C7-47BE-AE5E-E10140E04643}" type="slidenum">
               <a:rPr lang="en-US" smtClean="0"/>
               <a:pPr/>
-              <a:t>16</a:t>
+              <a:t>17</a:t>
             </a:fld>
             <a:endParaRPr lang="en-US" dirty="0"/>
           </a:p>
@@ -19484,7 +19752,7 @@
 </p:sld>
 </file>
 
-<file path=ppt/slides/slide17.xml><?xml version="1.0" encoding="utf-8"?>
+<file path=ppt/slides/slide18.xml><?xml version="1.0" encoding="utf-8"?>
 <p:sld xmlns:a="http://schemas.openxmlformats.org/drawingml/2006/main" xmlns:r="http://schemas.openxmlformats.org/officeDocument/2006/relationships" xmlns:p="http://schemas.openxmlformats.org/presentationml/2006/main">
   <p:cSld>
     <p:spTree>
@@ -19864,7 +20132,9 @@
           </a:xfrm>
         </p:spPr>
         <p:txBody>
-          <a:bodyPr/>
+          <a:bodyPr>
+            <a:normAutofit lnSpcReduction="10000"/>
+          </a:bodyPr>
           <a:lstStyle/>
           <a:p>
             <a:r>
@@ -19906,18 +20176,35 @@
             <a:endParaRPr lang="en-IN" sz="2000" dirty="0"/>
           </a:p>
           <a:p>
-            <a:endParaRPr lang="en-IN" sz="2000" dirty="0"/>
-          </a:p>
-          <a:p>
+            <a:r>
+              <a:rPr lang="en-IN" sz="2000" dirty="0"/>
+              <a:t>Database</a:t>
+            </a:r>
             <a:r>
               <a:rPr lang="en-IN" sz="1600" dirty="0"/>
-              <a:t>Database </a:t>
+              <a:t> </a:t>
             </a:r>
           </a:p>
           <a:p>
             <a:r>
               <a:rPr lang="en-IN" sz="1600" dirty="0"/>
               <a:t>SQLite with Entity Framework</a:t>
+            </a:r>
+          </a:p>
+          <a:p>
+            <a:endParaRPr lang="en-IN" sz="1600" dirty="0"/>
+          </a:p>
+          <a:p>
+            <a:r>
+              <a:rPr lang="en-IN" sz="2000" dirty="0"/>
+              <a:t>Source code Management </a:t>
+            </a:r>
+            <a:br>
+              <a:rPr lang="en-IN" sz="1600" dirty="0"/>
+            </a:br>
+            <a:r>
+              <a:rPr lang="en-IN" sz="1600" dirty="0"/>
+              <a:t>Git</a:t>
             </a:r>
             <a:endParaRPr lang="en-IN" sz="2000" dirty="0"/>
           </a:p>
@@ -20014,35 +20301,6 @@
           </a:p>
         </p:txBody>
       </p:sp>
-      <p:pic>
-        <p:nvPicPr>
-          <p:cNvPr id="8" name="Content Placeholder 7">
-            <a:extLst>
-              <a:ext uri="{FF2B5EF4-FFF2-40B4-BE49-F238E27FC236}">
-                <a16:creationId xmlns:a16="http://schemas.microsoft.com/office/drawing/2014/main" id="{A6D9C6C7-6904-983C-B992-72A7CF5D642B}"/>
-              </a:ext>
-            </a:extLst>
-          </p:cNvPr>
-          <p:cNvPicPr>
-            <a:picLocks noGrp="1" noChangeAspect="1"/>
-          </p:cNvPicPr>
-          <p:nvPr>
-            <p:ph sz="half" idx="2"/>
-          </p:nvPr>
-        </p:nvPicPr>
-        <p:blipFill>
-          <a:blip r:embed="rId3"/>
-          <a:stretch>
-            <a:fillRect/>
-          </a:stretch>
-        </p:blipFill>
-        <p:spPr>
-          <a:xfrm>
-            <a:off x="7043352" y="2579430"/>
-            <a:ext cx="4416662" cy="2593717"/>
-          </a:xfrm>
-        </p:spPr>
-      </p:pic>
       <p:sp>
         <p:nvSpPr>
           <p:cNvPr id="23" name="Slide Number Placeholder 22">
@@ -20155,6 +20413,36 @@
           </a:p>
         </p:txBody>
       </p:sp>
+      <p:pic>
+        <p:nvPicPr>
+          <p:cNvPr id="4" name="Picture 3">
+            <a:extLst>
+              <a:ext uri="{FF2B5EF4-FFF2-40B4-BE49-F238E27FC236}">
+                <a16:creationId xmlns:a16="http://schemas.microsoft.com/office/drawing/2014/main" id="{FB8814EF-0012-19D6-04B6-5E29760BBA16}"/>
+              </a:ext>
+            </a:extLst>
+          </p:cNvPr>
+          <p:cNvPicPr>
+            <a:picLocks noChangeAspect="1"/>
+          </p:cNvPicPr>
+          <p:nvPr/>
+        </p:nvPicPr>
+        <p:blipFill>
+          <a:blip r:embed="rId3"/>
+          <a:stretch>
+            <a:fillRect/>
+          </a:stretch>
+        </p:blipFill>
+        <p:spPr>
+          <a:xfrm>
+            <a:off x="6881261" y="2303029"/>
+            <a:ext cx="4467077" cy="3315730"/>
+          </a:xfrm>
+          <a:prstGeom prst="rect">
+            <a:avLst/>
+          </a:prstGeom>
+        </p:spPr>
+      </p:pic>
     </p:spTree>
     <p:extLst>
       <p:ext uri="{BB962C8B-B14F-4D97-AF65-F5344CB8AC3E}">
@@ -20169,6 +20457,263 @@
 </file>
 
 <file path=ppt/slides/slide5.xml><?xml version="1.0" encoding="utf-8"?>
+<p:sld xmlns:a="http://schemas.openxmlformats.org/drawingml/2006/main" xmlns:r="http://schemas.openxmlformats.org/officeDocument/2006/relationships" xmlns:p="http://schemas.openxmlformats.org/presentationml/2006/main">
+  <p:cSld>
+    <p:spTree>
+      <p:nvGrpSpPr>
+        <p:cNvPr id="1" name=""/>
+        <p:cNvGrpSpPr/>
+        <p:nvPr/>
+      </p:nvGrpSpPr>
+      <p:grpSpPr>
+        <a:xfrm>
+          <a:off x="0" y="0"/>
+          <a:ext cx="0" cy="0"/>
+          <a:chOff x="0" y="0"/>
+          <a:chExt cx="0" cy="0"/>
+        </a:xfrm>
+      </p:grpSpPr>
+      <p:sp>
+        <p:nvSpPr>
+          <p:cNvPr id="2" name="Title 1">
+            <a:extLst>
+              <a:ext uri="{FF2B5EF4-FFF2-40B4-BE49-F238E27FC236}">
+                <a16:creationId xmlns:a16="http://schemas.microsoft.com/office/drawing/2014/main" id="{FD5E8954-9BCB-7FD9-A210-38DC54382D45}"/>
+              </a:ext>
+            </a:extLst>
+          </p:cNvPr>
+          <p:cNvSpPr>
+            <a:spLocks noGrp="1"/>
+          </p:cNvSpPr>
+          <p:nvPr>
+            <p:ph type="title"/>
+          </p:nvPr>
+        </p:nvSpPr>
+        <p:spPr>
+          <a:xfrm>
+            <a:off x="3460565" y="1057274"/>
+            <a:ext cx="7965461" cy="994164"/>
+          </a:xfrm>
+        </p:spPr>
+        <p:txBody>
+          <a:bodyPr/>
+          <a:lstStyle/>
+          <a:p>
+            <a:r>
+              <a:rPr lang="en-US" dirty="0"/>
+              <a:t>Architecture High Level</a:t>
+            </a:r>
+          </a:p>
+        </p:txBody>
+      </p:sp>
+      <p:sp>
+        <p:nvSpPr>
+          <p:cNvPr id="23" name="Slide Number Placeholder 22">
+            <a:extLst>
+              <a:ext uri="{FF2B5EF4-FFF2-40B4-BE49-F238E27FC236}">
+                <a16:creationId xmlns:a16="http://schemas.microsoft.com/office/drawing/2014/main" id="{94FF72B7-0438-3641-5939-75128934B0DF}"/>
+              </a:ext>
+            </a:extLst>
+          </p:cNvPr>
+          <p:cNvSpPr>
+            <a:spLocks noGrp="1"/>
+          </p:cNvSpPr>
+          <p:nvPr>
+            <p:ph type="sldNum" sz="quarter" idx="10"/>
+          </p:nvPr>
+        </p:nvSpPr>
+        <p:spPr>
+          <a:xfrm>
+            <a:off x="10358437" y="457199"/>
+            <a:ext cx="1067589" cy="471489"/>
+          </a:xfrm>
+        </p:spPr>
+        <p:txBody>
+          <a:bodyPr/>
+          <a:lstStyle/>
+          <a:p>
+            <a:fld id="{48F63A3B-78C7-47BE-AE5E-E10140E04643}" type="slidenum">
+              <a:rPr lang="en-US" smtClean="0"/>
+              <a:pPr/>
+              <a:t>5</a:t>
+            </a:fld>
+            <a:endParaRPr lang="en-US" dirty="0"/>
+          </a:p>
+        </p:txBody>
+      </p:sp>
+      <p:pic>
+        <p:nvPicPr>
+          <p:cNvPr id="12" name="Picture 11">
+            <a:extLst>
+              <a:ext uri="{FF2B5EF4-FFF2-40B4-BE49-F238E27FC236}">
+                <a16:creationId xmlns:a16="http://schemas.microsoft.com/office/drawing/2014/main" id="{32C7D57F-6812-D50C-0445-EFEEB9CEC03E}"/>
+              </a:ext>
+            </a:extLst>
+          </p:cNvPr>
+          <p:cNvPicPr>
+            <a:picLocks noChangeAspect="1"/>
+          </p:cNvPicPr>
+          <p:nvPr/>
+        </p:nvPicPr>
+        <p:blipFill>
+          <a:blip r:embed="rId3"/>
+          <a:stretch>
+            <a:fillRect/>
+          </a:stretch>
+        </p:blipFill>
+        <p:spPr>
+          <a:xfrm>
+            <a:off x="3388778" y="2391845"/>
+            <a:ext cx="5648129" cy="2830944"/>
+          </a:xfrm>
+          <a:prstGeom prst="rect">
+            <a:avLst/>
+          </a:prstGeom>
+        </p:spPr>
+      </p:pic>
+    </p:spTree>
+    <p:extLst>
+      <p:ext uri="{BB962C8B-B14F-4D97-AF65-F5344CB8AC3E}">
+        <p14:creationId xmlns:p14="http://schemas.microsoft.com/office/powerpoint/2010/main" val="2244277674"/>
+      </p:ext>
+    </p:extLst>
+  </p:cSld>
+  <p:clrMapOvr>
+    <a:masterClrMapping/>
+  </p:clrMapOvr>
+</p:sld>
+</file>
+
+<file path=ppt/slides/slide6.xml><?xml version="1.0" encoding="utf-8"?>
+<p:sld xmlns:a="http://schemas.openxmlformats.org/drawingml/2006/main" xmlns:r="http://schemas.openxmlformats.org/officeDocument/2006/relationships" xmlns:p="http://schemas.openxmlformats.org/presentationml/2006/main">
+  <p:cSld>
+    <p:spTree>
+      <p:nvGrpSpPr>
+        <p:cNvPr id="1" name=""/>
+        <p:cNvGrpSpPr/>
+        <p:nvPr/>
+      </p:nvGrpSpPr>
+      <p:grpSpPr>
+        <a:xfrm>
+          <a:off x="0" y="0"/>
+          <a:ext cx="0" cy="0"/>
+          <a:chOff x="0" y="0"/>
+          <a:chExt cx="0" cy="0"/>
+        </a:xfrm>
+      </p:grpSpPr>
+      <p:sp>
+        <p:nvSpPr>
+          <p:cNvPr id="2" name="Title 1">
+            <a:extLst>
+              <a:ext uri="{FF2B5EF4-FFF2-40B4-BE49-F238E27FC236}">
+                <a16:creationId xmlns:a16="http://schemas.microsoft.com/office/drawing/2014/main" id="{FD5E8954-9BCB-7FD9-A210-38DC54382D45}"/>
+              </a:ext>
+            </a:extLst>
+          </p:cNvPr>
+          <p:cNvSpPr>
+            <a:spLocks noGrp="1"/>
+          </p:cNvSpPr>
+          <p:nvPr>
+            <p:ph type="title"/>
+          </p:nvPr>
+        </p:nvSpPr>
+        <p:spPr>
+          <a:xfrm>
+            <a:off x="3460565" y="195861"/>
+            <a:ext cx="7965461" cy="600258"/>
+          </a:xfrm>
+        </p:spPr>
+        <p:txBody>
+          <a:bodyPr/>
+          <a:lstStyle/>
+          <a:p>
+            <a:r>
+              <a:rPr lang="en-US" dirty="0" err="1"/>
+              <a:t>Moduels</a:t>
+            </a:r>
+            <a:endParaRPr lang="en-US" dirty="0"/>
+          </a:p>
+        </p:txBody>
+      </p:sp>
+      <p:sp>
+        <p:nvSpPr>
+          <p:cNvPr id="23" name="Slide Number Placeholder 22">
+            <a:extLst>
+              <a:ext uri="{FF2B5EF4-FFF2-40B4-BE49-F238E27FC236}">
+                <a16:creationId xmlns:a16="http://schemas.microsoft.com/office/drawing/2014/main" id="{94FF72B7-0438-3641-5939-75128934B0DF}"/>
+              </a:ext>
+            </a:extLst>
+          </p:cNvPr>
+          <p:cNvSpPr>
+            <a:spLocks noGrp="1"/>
+          </p:cNvSpPr>
+          <p:nvPr>
+            <p:ph type="sldNum" sz="quarter" idx="10"/>
+          </p:nvPr>
+        </p:nvSpPr>
+        <p:spPr>
+          <a:xfrm>
+            <a:off x="10358437" y="457199"/>
+            <a:ext cx="1067589" cy="471489"/>
+          </a:xfrm>
+        </p:spPr>
+        <p:txBody>
+          <a:bodyPr/>
+          <a:lstStyle/>
+          <a:p>
+            <a:fld id="{48F63A3B-78C7-47BE-AE5E-E10140E04643}" type="slidenum">
+              <a:rPr lang="en-US" smtClean="0"/>
+              <a:pPr/>
+              <a:t>6</a:t>
+            </a:fld>
+            <a:endParaRPr lang="en-US" dirty="0"/>
+          </a:p>
+        </p:txBody>
+      </p:sp>
+      <p:pic>
+        <p:nvPicPr>
+          <p:cNvPr id="15" name="Picture 14">
+            <a:extLst>
+              <a:ext uri="{FF2B5EF4-FFF2-40B4-BE49-F238E27FC236}">
+                <a16:creationId xmlns:a16="http://schemas.microsoft.com/office/drawing/2014/main" id="{754AA3ED-E031-6DEE-1706-72382CF8A202}"/>
+              </a:ext>
+            </a:extLst>
+          </p:cNvPr>
+          <p:cNvPicPr>
+            <a:picLocks noChangeAspect="1"/>
+          </p:cNvPicPr>
+          <p:nvPr/>
+        </p:nvPicPr>
+        <p:blipFill>
+          <a:blip r:embed="rId3"/>
+          <a:stretch>
+            <a:fillRect/>
+          </a:stretch>
+        </p:blipFill>
+        <p:spPr>
+          <a:xfrm>
+            <a:off x="3532536" y="753762"/>
+            <a:ext cx="4688826" cy="5947083"/>
+          </a:xfrm>
+          <a:prstGeom prst="rect">
+            <a:avLst/>
+          </a:prstGeom>
+        </p:spPr>
+      </p:pic>
+    </p:spTree>
+    <p:extLst>
+      <p:ext uri="{BB962C8B-B14F-4D97-AF65-F5344CB8AC3E}">
+        <p14:creationId xmlns:p14="http://schemas.microsoft.com/office/powerpoint/2010/main" val="3809348865"/>
+      </p:ext>
+    </p:extLst>
+  </p:cSld>
+  <p:clrMapOvr>
+    <a:masterClrMapping/>
+  </p:clrMapOvr>
+</p:sld>
+</file>
+
+<file path=ppt/slides/slide7.xml><?xml version="1.0" encoding="utf-8"?>
 <p:sld xmlns:a="http://schemas.openxmlformats.org/drawingml/2006/main" xmlns:r="http://schemas.openxmlformats.org/officeDocument/2006/relationships" xmlns:p="http://schemas.openxmlformats.org/presentationml/2006/main">
   <p:cSld>
     <p:spTree>
@@ -20248,7 +20793,7 @@
             <a:fld id="{48F63A3B-78C7-47BE-AE5E-E10140E04643}" type="slidenum">
               <a:rPr lang="en-US" smtClean="0"/>
               <a:pPr/>
-              <a:t>5</a:t>
+              <a:t>7</a:t>
             </a:fld>
             <a:endParaRPr lang="en-US" dirty="0"/>
           </a:p>
@@ -20344,375 +20889,6 @@
     <p:extLst>
       <p:ext uri="{BB962C8B-B14F-4D97-AF65-F5344CB8AC3E}">
         <p14:creationId xmlns:p14="http://schemas.microsoft.com/office/powerpoint/2010/main" val="1131718056"/>
-      </p:ext>
-    </p:extLst>
-  </p:cSld>
-  <p:clrMapOvr>
-    <a:masterClrMapping/>
-  </p:clrMapOvr>
-</p:sld>
-</file>
-
-<file path=ppt/slides/slide6.xml><?xml version="1.0" encoding="utf-8"?>
-<p:sld xmlns:a="http://schemas.openxmlformats.org/drawingml/2006/main" xmlns:r="http://schemas.openxmlformats.org/officeDocument/2006/relationships" xmlns:p="http://schemas.openxmlformats.org/presentationml/2006/main">
-  <p:cSld>
-    <p:spTree>
-      <p:nvGrpSpPr>
-        <p:cNvPr id="1" name=""/>
-        <p:cNvGrpSpPr/>
-        <p:nvPr/>
-      </p:nvGrpSpPr>
-      <p:grpSpPr>
-        <a:xfrm>
-          <a:off x="0" y="0"/>
-          <a:ext cx="0" cy="0"/>
-          <a:chOff x="0" y="0"/>
-          <a:chExt cx="0" cy="0"/>
-        </a:xfrm>
-      </p:grpSpPr>
-      <p:sp>
-        <p:nvSpPr>
-          <p:cNvPr id="2" name="Title 1">
-            <a:extLst>
-              <a:ext uri="{FF2B5EF4-FFF2-40B4-BE49-F238E27FC236}">
-                <a16:creationId xmlns:a16="http://schemas.microsoft.com/office/drawing/2014/main" id="{B28A34A6-22BC-27A4-2C79-EE98A4943B14}"/>
-              </a:ext>
-            </a:extLst>
-          </p:cNvPr>
-          <p:cNvSpPr>
-            <a:spLocks noGrp="1"/>
-          </p:cNvSpPr>
-          <p:nvPr>
-            <p:ph type="title"/>
-          </p:nvPr>
-        </p:nvSpPr>
-        <p:spPr>
-          <a:xfrm>
-            <a:off x="914399" y="834635"/>
-            <a:ext cx="7796464" cy="878835"/>
-          </a:xfrm>
-        </p:spPr>
-        <p:txBody>
-          <a:bodyPr/>
-          <a:lstStyle/>
-          <a:p>
-            <a:r>
-              <a:rPr lang="en-IN" dirty="0"/>
-              <a:t>Backend Implementation</a:t>
-            </a:r>
-            <a:endParaRPr lang="en-US" dirty="0"/>
-          </a:p>
-        </p:txBody>
-      </p:sp>
-      <p:sp>
-        <p:nvSpPr>
-          <p:cNvPr id="3" name="Slide Number Placeholder 2">
-            <a:extLst>
-              <a:ext uri="{FF2B5EF4-FFF2-40B4-BE49-F238E27FC236}">
-                <a16:creationId xmlns:a16="http://schemas.microsoft.com/office/drawing/2014/main" id="{7267C004-8B72-C872-98FB-00A2A584D055}"/>
-              </a:ext>
-            </a:extLst>
-          </p:cNvPr>
-          <p:cNvSpPr>
-            <a:spLocks noGrp="1"/>
-          </p:cNvSpPr>
-          <p:nvPr>
-            <p:ph type="sldNum" sz="quarter" idx="10"/>
-          </p:nvPr>
-        </p:nvSpPr>
-        <p:spPr>
-          <a:xfrm>
-            <a:off x="10438475" y="457199"/>
-            <a:ext cx="987552" cy="471489"/>
-          </a:xfrm>
-        </p:spPr>
-        <p:txBody>
-          <a:bodyPr/>
-          <a:lstStyle/>
-          <a:p>
-            <a:fld id="{48F63A3B-78C7-47BE-AE5E-E10140E04643}" type="slidenum">
-              <a:rPr lang="en-US" smtClean="0"/>
-              <a:pPr/>
-              <a:t>6</a:t>
-            </a:fld>
-            <a:endParaRPr lang="en-US" dirty="0"/>
-          </a:p>
-        </p:txBody>
-      </p:sp>
-      <p:sp>
-        <p:nvSpPr>
-          <p:cNvPr id="16" name="Content Placeholder 4">
-            <a:extLst>
-              <a:ext uri="{FF2B5EF4-FFF2-40B4-BE49-F238E27FC236}">
-                <a16:creationId xmlns:a16="http://schemas.microsoft.com/office/drawing/2014/main" id="{AEF9954A-E263-8A7E-58B1-4D03F7D1BD9B}"/>
-              </a:ext>
-            </a:extLst>
-          </p:cNvPr>
-          <p:cNvSpPr>
-            <a:spLocks noGrp="1"/>
-          </p:cNvSpPr>
-          <p:nvPr>
-            <p:ph sz="half" idx="2"/>
-          </p:nvPr>
-        </p:nvSpPr>
-        <p:spPr>
-          <a:xfrm>
-            <a:off x="914400" y="2303028"/>
-            <a:ext cx="7447005" cy="3720337"/>
-          </a:xfrm>
-        </p:spPr>
-        <p:txBody>
-          <a:bodyPr>
-            <a:normAutofit/>
-          </a:bodyPr>
-          <a:lstStyle/>
-          <a:p>
-            <a:r>
-              <a:rPr lang="en-IN" b="1" dirty="0"/>
-              <a:t>REST API Endpoints</a:t>
-            </a:r>
-            <a:r>
-              <a:rPr lang="en-IN" dirty="0"/>
-              <a:t>:</a:t>
-            </a:r>
-          </a:p>
-          <a:p>
-            <a:pPr marL="285750" indent="-285750">
-              <a:buFont typeface="Arial" panose="020B0604020202020204" pitchFamily="34" charset="0"/>
-              <a:buChar char="•"/>
-            </a:pPr>
-            <a:r>
-              <a:rPr lang="en-IN" dirty="0"/>
-              <a:t>CRUD operations for Students </a:t>
-            </a:r>
-          </a:p>
-          <a:p>
-            <a:pPr marL="285750" indent="-285750">
-              <a:buFont typeface="Arial" panose="020B0604020202020204" pitchFamily="34" charset="0"/>
-              <a:buChar char="•"/>
-            </a:pPr>
-            <a:r>
-              <a:rPr lang="en-IN" dirty="0"/>
-              <a:t>CRUD operations for Subjects</a:t>
-            </a:r>
-          </a:p>
-          <a:p>
-            <a:pPr marL="285750" indent="-285750">
-              <a:buFont typeface="Arial" panose="020B0604020202020204" pitchFamily="34" charset="0"/>
-              <a:buChar char="•"/>
-            </a:pPr>
-            <a:r>
-              <a:rPr lang="en-IN" dirty="0"/>
-              <a:t>CRUD operations for Grades</a:t>
-            </a:r>
-          </a:p>
-          <a:p>
-            <a:pPr marL="285750" indent="-285750">
-              <a:buFont typeface="Arial" panose="020B0604020202020204" pitchFamily="34" charset="0"/>
-              <a:buChar char="•"/>
-            </a:pPr>
-            <a:r>
-              <a:rPr lang="en-IN" dirty="0"/>
-              <a:t>Display Crosstab data for Grades</a:t>
-            </a:r>
-          </a:p>
-          <a:p>
-            <a:pPr marL="285750" indent="-285750">
-              <a:buFont typeface="Arial" panose="020B0604020202020204" pitchFamily="34" charset="0"/>
-              <a:buChar char="•"/>
-            </a:pPr>
-            <a:endParaRPr lang="en-IN" dirty="0"/>
-          </a:p>
-          <a:p>
-            <a:r>
-              <a:rPr lang="en-IN" b="1" dirty="0"/>
-              <a:t>Entity Framework</a:t>
-            </a:r>
-            <a:r>
-              <a:rPr lang="en-IN" dirty="0"/>
-              <a:t>: </a:t>
-            </a:r>
-          </a:p>
-          <a:p>
-            <a:pPr marL="285750" indent="-285750">
-              <a:buFont typeface="Arial" panose="020B0604020202020204" pitchFamily="34" charset="0"/>
-              <a:buChar char="•"/>
-            </a:pPr>
-            <a:r>
-              <a:rPr lang="en-US" dirty="0"/>
-              <a:t>Generic Repository Pattern</a:t>
-            </a:r>
-          </a:p>
-        </p:txBody>
-      </p:sp>
-    </p:spTree>
-    <p:extLst>
-      <p:ext uri="{BB962C8B-B14F-4D97-AF65-F5344CB8AC3E}">
-        <p14:creationId xmlns:p14="http://schemas.microsoft.com/office/powerpoint/2010/main" val="2468595790"/>
-      </p:ext>
-    </p:extLst>
-  </p:cSld>
-  <p:clrMapOvr>
-    <a:masterClrMapping/>
-  </p:clrMapOvr>
-</p:sld>
-</file>
-
-<file path=ppt/slides/slide7.xml><?xml version="1.0" encoding="utf-8"?>
-<p:sld xmlns:a="http://schemas.openxmlformats.org/drawingml/2006/main" xmlns:r="http://schemas.openxmlformats.org/officeDocument/2006/relationships" xmlns:p="http://schemas.openxmlformats.org/presentationml/2006/main">
-  <p:cSld>
-    <p:spTree>
-      <p:nvGrpSpPr>
-        <p:cNvPr id="1" name=""/>
-        <p:cNvGrpSpPr/>
-        <p:nvPr/>
-      </p:nvGrpSpPr>
-      <p:grpSpPr>
-        <a:xfrm>
-          <a:off x="0" y="0"/>
-          <a:ext cx="0" cy="0"/>
-          <a:chOff x="0" y="0"/>
-          <a:chExt cx="0" cy="0"/>
-        </a:xfrm>
-      </p:grpSpPr>
-      <p:sp>
-        <p:nvSpPr>
-          <p:cNvPr id="2" name="Title 1">
-            <a:extLst>
-              <a:ext uri="{FF2B5EF4-FFF2-40B4-BE49-F238E27FC236}">
-                <a16:creationId xmlns:a16="http://schemas.microsoft.com/office/drawing/2014/main" id="{B28A34A6-22BC-27A4-2C79-EE98A4943B14}"/>
-              </a:ext>
-            </a:extLst>
-          </p:cNvPr>
-          <p:cNvSpPr>
-            <a:spLocks noGrp="1"/>
-          </p:cNvSpPr>
-          <p:nvPr>
-            <p:ph type="title"/>
-          </p:nvPr>
-        </p:nvSpPr>
-        <p:spPr>
-          <a:xfrm>
-            <a:off x="739670" y="266224"/>
-            <a:ext cx="7796464" cy="619343"/>
-          </a:xfrm>
-        </p:spPr>
-        <p:txBody>
-          <a:bodyPr/>
-          <a:lstStyle/>
-          <a:p>
-            <a:r>
-              <a:rPr lang="en-IN" dirty="0"/>
-              <a:t>Backend Implementation</a:t>
-            </a:r>
-            <a:endParaRPr lang="en-US" dirty="0"/>
-          </a:p>
-        </p:txBody>
-      </p:sp>
-      <p:sp>
-        <p:nvSpPr>
-          <p:cNvPr id="3" name="Slide Number Placeholder 2">
-            <a:extLst>
-              <a:ext uri="{FF2B5EF4-FFF2-40B4-BE49-F238E27FC236}">
-                <a16:creationId xmlns:a16="http://schemas.microsoft.com/office/drawing/2014/main" id="{7267C004-8B72-C872-98FB-00A2A584D055}"/>
-              </a:ext>
-            </a:extLst>
-          </p:cNvPr>
-          <p:cNvSpPr>
-            <a:spLocks noGrp="1"/>
-          </p:cNvSpPr>
-          <p:nvPr>
-            <p:ph type="sldNum" sz="quarter" idx="10"/>
-          </p:nvPr>
-        </p:nvSpPr>
-        <p:spPr>
-          <a:xfrm>
-            <a:off x="10438475" y="457199"/>
-            <a:ext cx="987552" cy="471489"/>
-          </a:xfrm>
-        </p:spPr>
-        <p:txBody>
-          <a:bodyPr/>
-          <a:lstStyle/>
-          <a:p>
-            <a:fld id="{48F63A3B-78C7-47BE-AE5E-E10140E04643}" type="slidenum">
-              <a:rPr lang="en-US" smtClean="0"/>
-              <a:pPr/>
-              <a:t>7</a:t>
-            </a:fld>
-            <a:endParaRPr lang="en-US" dirty="0"/>
-          </a:p>
-        </p:txBody>
-      </p:sp>
-      <p:sp>
-        <p:nvSpPr>
-          <p:cNvPr id="16" name="Content Placeholder 4">
-            <a:extLst>
-              <a:ext uri="{FF2B5EF4-FFF2-40B4-BE49-F238E27FC236}">
-                <a16:creationId xmlns:a16="http://schemas.microsoft.com/office/drawing/2014/main" id="{AEF9954A-E263-8A7E-58B1-4D03F7D1BD9B}"/>
-              </a:ext>
-            </a:extLst>
-          </p:cNvPr>
-          <p:cNvSpPr>
-            <a:spLocks noGrp="1"/>
-          </p:cNvSpPr>
-          <p:nvPr>
-            <p:ph sz="half" idx="2"/>
-          </p:nvPr>
-        </p:nvSpPr>
-        <p:spPr>
-          <a:xfrm>
-            <a:off x="914400" y="1392196"/>
-            <a:ext cx="7447005" cy="4631170"/>
-          </a:xfrm>
-        </p:spPr>
-        <p:txBody>
-          <a:bodyPr>
-            <a:normAutofit/>
-          </a:bodyPr>
-          <a:lstStyle/>
-          <a:p>
-            <a:r>
-              <a:rPr lang="en-IN" b="1" dirty="0"/>
-              <a:t>Swagger Documentation</a:t>
-            </a:r>
-          </a:p>
-        </p:txBody>
-      </p:sp>
-      <p:pic>
-        <p:nvPicPr>
-          <p:cNvPr id="5" name="Picture 4">
-            <a:extLst>
-              <a:ext uri="{FF2B5EF4-FFF2-40B4-BE49-F238E27FC236}">
-                <a16:creationId xmlns:a16="http://schemas.microsoft.com/office/drawing/2014/main" id="{5181CE34-98A6-162D-4FFC-4B3FA6B5130B}"/>
-              </a:ext>
-            </a:extLst>
-          </p:cNvPr>
-          <p:cNvPicPr>
-            <a:picLocks noChangeAspect="1"/>
-          </p:cNvPicPr>
-          <p:nvPr/>
-        </p:nvPicPr>
-        <p:blipFill>
-          <a:blip r:embed="rId3"/>
-          <a:stretch>
-            <a:fillRect/>
-          </a:stretch>
-        </p:blipFill>
-        <p:spPr>
-          <a:xfrm>
-            <a:off x="1371704" y="1907058"/>
-            <a:ext cx="5562870" cy="4116308"/>
-          </a:xfrm>
-          <a:prstGeom prst="rect">
-            <a:avLst/>
-          </a:prstGeom>
-        </p:spPr>
-      </p:pic>
-    </p:spTree>
-    <p:extLst>
-      <p:ext uri="{BB962C8B-B14F-4D97-AF65-F5344CB8AC3E}">
-        <p14:creationId xmlns:p14="http://schemas.microsoft.com/office/powerpoint/2010/main" val="1348337484"/>
       </p:ext>
     </p:extLst>
   </p:cSld>
@@ -20757,8 +20933,8 @@
         </p:nvSpPr>
         <p:spPr>
           <a:xfrm>
-            <a:off x="739670" y="266224"/>
-            <a:ext cx="7796464" cy="619343"/>
+            <a:off x="914399" y="834635"/>
+            <a:ext cx="7796464" cy="878835"/>
           </a:xfrm>
         </p:spPr>
         <p:txBody>
@@ -20803,6 +20979,191 @@
               <a:rPr lang="en-US" smtClean="0"/>
               <a:pPr/>
               <a:t>8</a:t>
+            </a:fld>
+            <a:endParaRPr lang="en-US" dirty="0"/>
+          </a:p>
+        </p:txBody>
+      </p:sp>
+      <p:sp>
+        <p:nvSpPr>
+          <p:cNvPr id="16" name="Content Placeholder 4">
+            <a:extLst>
+              <a:ext uri="{FF2B5EF4-FFF2-40B4-BE49-F238E27FC236}">
+                <a16:creationId xmlns:a16="http://schemas.microsoft.com/office/drawing/2014/main" id="{AEF9954A-E263-8A7E-58B1-4D03F7D1BD9B}"/>
+              </a:ext>
+            </a:extLst>
+          </p:cNvPr>
+          <p:cNvSpPr>
+            <a:spLocks noGrp="1"/>
+          </p:cNvSpPr>
+          <p:nvPr>
+            <p:ph sz="half" idx="2"/>
+          </p:nvPr>
+        </p:nvSpPr>
+        <p:spPr>
+          <a:xfrm>
+            <a:off x="914400" y="2303028"/>
+            <a:ext cx="7447005" cy="3720337"/>
+          </a:xfrm>
+        </p:spPr>
+        <p:txBody>
+          <a:bodyPr>
+            <a:normAutofit/>
+          </a:bodyPr>
+          <a:lstStyle/>
+          <a:p>
+            <a:r>
+              <a:rPr lang="en-IN" b="1" dirty="0"/>
+              <a:t>REST API Endpoints</a:t>
+            </a:r>
+            <a:r>
+              <a:rPr lang="en-IN" dirty="0"/>
+              <a:t>:</a:t>
+            </a:r>
+          </a:p>
+          <a:p>
+            <a:pPr marL="285750" indent="-285750">
+              <a:buFont typeface="Arial" panose="020B0604020202020204" pitchFamily="34" charset="0"/>
+              <a:buChar char="•"/>
+            </a:pPr>
+            <a:r>
+              <a:rPr lang="en-IN" dirty="0"/>
+              <a:t>CRUD operations for Students </a:t>
+            </a:r>
+          </a:p>
+          <a:p>
+            <a:pPr marL="285750" indent="-285750">
+              <a:buFont typeface="Arial" panose="020B0604020202020204" pitchFamily="34" charset="0"/>
+              <a:buChar char="•"/>
+            </a:pPr>
+            <a:r>
+              <a:rPr lang="en-IN" dirty="0"/>
+              <a:t>CRUD operations for Subjects</a:t>
+            </a:r>
+          </a:p>
+          <a:p>
+            <a:pPr marL="285750" indent="-285750">
+              <a:buFont typeface="Arial" panose="020B0604020202020204" pitchFamily="34" charset="0"/>
+              <a:buChar char="•"/>
+            </a:pPr>
+            <a:r>
+              <a:rPr lang="en-IN" dirty="0"/>
+              <a:t>CRUD operations for Grades</a:t>
+            </a:r>
+          </a:p>
+          <a:p>
+            <a:pPr marL="285750" indent="-285750">
+              <a:buFont typeface="Arial" panose="020B0604020202020204" pitchFamily="34" charset="0"/>
+              <a:buChar char="•"/>
+            </a:pPr>
+            <a:r>
+              <a:rPr lang="en-IN" dirty="0"/>
+              <a:t>Display Crosstab data for Grades</a:t>
+            </a:r>
+          </a:p>
+          <a:p>
+            <a:pPr marL="285750" indent="-285750">
+              <a:buFont typeface="Arial" panose="020B0604020202020204" pitchFamily="34" charset="0"/>
+              <a:buChar char="•"/>
+            </a:pPr>
+            <a:endParaRPr lang="en-IN" dirty="0"/>
+          </a:p>
+        </p:txBody>
+      </p:sp>
+    </p:spTree>
+    <p:extLst>
+      <p:ext uri="{BB962C8B-B14F-4D97-AF65-F5344CB8AC3E}">
+        <p14:creationId xmlns:p14="http://schemas.microsoft.com/office/powerpoint/2010/main" val="2468595790"/>
+      </p:ext>
+    </p:extLst>
+  </p:cSld>
+  <p:clrMapOvr>
+    <a:masterClrMapping/>
+  </p:clrMapOvr>
+</p:sld>
+</file>
+
+<file path=ppt/slides/slide9.xml><?xml version="1.0" encoding="utf-8"?>
+<p:sld xmlns:a="http://schemas.openxmlformats.org/drawingml/2006/main" xmlns:r="http://schemas.openxmlformats.org/officeDocument/2006/relationships" xmlns:p="http://schemas.openxmlformats.org/presentationml/2006/main">
+  <p:cSld>
+    <p:spTree>
+      <p:nvGrpSpPr>
+        <p:cNvPr id="1" name=""/>
+        <p:cNvGrpSpPr/>
+        <p:nvPr/>
+      </p:nvGrpSpPr>
+      <p:grpSpPr>
+        <a:xfrm>
+          <a:off x="0" y="0"/>
+          <a:ext cx="0" cy="0"/>
+          <a:chOff x="0" y="0"/>
+          <a:chExt cx="0" cy="0"/>
+        </a:xfrm>
+      </p:grpSpPr>
+      <p:sp>
+        <p:nvSpPr>
+          <p:cNvPr id="2" name="Title 1">
+            <a:extLst>
+              <a:ext uri="{FF2B5EF4-FFF2-40B4-BE49-F238E27FC236}">
+                <a16:creationId xmlns:a16="http://schemas.microsoft.com/office/drawing/2014/main" id="{B28A34A6-22BC-27A4-2C79-EE98A4943B14}"/>
+              </a:ext>
+            </a:extLst>
+          </p:cNvPr>
+          <p:cNvSpPr>
+            <a:spLocks noGrp="1"/>
+          </p:cNvSpPr>
+          <p:nvPr>
+            <p:ph type="title"/>
+          </p:nvPr>
+        </p:nvSpPr>
+        <p:spPr>
+          <a:xfrm>
+            <a:off x="739670" y="266224"/>
+            <a:ext cx="7796464" cy="619343"/>
+          </a:xfrm>
+        </p:spPr>
+        <p:txBody>
+          <a:bodyPr/>
+          <a:lstStyle/>
+          <a:p>
+            <a:r>
+              <a:rPr lang="en-IN" dirty="0"/>
+              <a:t>Backend Implementation</a:t>
+            </a:r>
+            <a:endParaRPr lang="en-US" dirty="0"/>
+          </a:p>
+        </p:txBody>
+      </p:sp>
+      <p:sp>
+        <p:nvSpPr>
+          <p:cNvPr id="3" name="Slide Number Placeholder 2">
+            <a:extLst>
+              <a:ext uri="{FF2B5EF4-FFF2-40B4-BE49-F238E27FC236}">
+                <a16:creationId xmlns:a16="http://schemas.microsoft.com/office/drawing/2014/main" id="{7267C004-8B72-C872-98FB-00A2A584D055}"/>
+              </a:ext>
+            </a:extLst>
+          </p:cNvPr>
+          <p:cNvSpPr>
+            <a:spLocks noGrp="1"/>
+          </p:cNvSpPr>
+          <p:nvPr>
+            <p:ph type="sldNum" sz="quarter" idx="10"/>
+          </p:nvPr>
+        </p:nvSpPr>
+        <p:spPr>
+          <a:xfrm>
+            <a:off x="10438475" y="457199"/>
+            <a:ext cx="987552" cy="471489"/>
+          </a:xfrm>
+        </p:spPr>
+        <p:txBody>
+          <a:bodyPr/>
+          <a:lstStyle/>
+          <a:p>
+            <a:fld id="{48F63A3B-78C7-47BE-AE5E-E10140E04643}" type="slidenum">
+              <a:rPr lang="en-US" smtClean="0"/>
+              <a:pPr/>
+              <a:t>9</a:t>
             </a:fld>
             <a:endParaRPr lang="en-US" dirty="0"/>
           </a:p>
@@ -20838,17 +21199,17 @@
           <a:p>
             <a:r>
               <a:rPr lang="en-IN" b="1" dirty="0"/>
-              <a:t>Crosstab Response Structure</a:t>
+              <a:t>Swagger Documentation</a:t>
             </a:r>
           </a:p>
         </p:txBody>
       </p:sp>
       <p:pic>
         <p:nvPicPr>
-          <p:cNvPr id="8" name="Picture 7">
+          <p:cNvPr id="5" name="Picture 4">
             <a:extLst>
               <a:ext uri="{FF2B5EF4-FFF2-40B4-BE49-F238E27FC236}">
-                <a16:creationId xmlns:a16="http://schemas.microsoft.com/office/drawing/2014/main" id="{3ED7D253-08B0-2808-090A-9E7944BE7C1E}"/>
+                <a16:creationId xmlns:a16="http://schemas.microsoft.com/office/drawing/2014/main" id="{5181CE34-98A6-162D-4FFC-4B3FA6B5130B}"/>
               </a:ext>
             </a:extLst>
           </p:cNvPr>
@@ -20865,8 +21226,8 @@
         </p:blipFill>
         <p:spPr>
           <a:xfrm>
-            <a:off x="609600" y="1143814"/>
-            <a:ext cx="7863985" cy="3856554"/>
+            <a:off x="1371704" y="1907058"/>
+            <a:ext cx="5562870" cy="4116308"/>
           </a:xfrm>
           <a:prstGeom prst="rect">
             <a:avLst/>
@@ -20876,231 +21237,7 @@
     </p:spTree>
     <p:extLst>
       <p:ext uri="{BB962C8B-B14F-4D97-AF65-F5344CB8AC3E}">
-        <p14:creationId xmlns:p14="http://schemas.microsoft.com/office/powerpoint/2010/main" val="3153562199"/>
-      </p:ext>
-    </p:extLst>
-  </p:cSld>
-  <p:clrMapOvr>
-    <a:masterClrMapping/>
-  </p:clrMapOvr>
-</p:sld>
-</file>
-
-<file path=ppt/slides/slide9.xml><?xml version="1.0" encoding="utf-8"?>
-<p:sld xmlns:a="http://schemas.openxmlformats.org/drawingml/2006/main" xmlns:r="http://schemas.openxmlformats.org/officeDocument/2006/relationships" xmlns:p="http://schemas.openxmlformats.org/presentationml/2006/main">
-  <p:cSld>
-    <p:spTree>
-      <p:nvGrpSpPr>
-        <p:cNvPr id="1" name=""/>
-        <p:cNvGrpSpPr/>
-        <p:nvPr/>
-      </p:nvGrpSpPr>
-      <p:grpSpPr>
-        <a:xfrm>
-          <a:off x="0" y="0"/>
-          <a:ext cx="0" cy="0"/>
-          <a:chOff x="0" y="0"/>
-          <a:chExt cx="0" cy="0"/>
-        </a:xfrm>
-      </p:grpSpPr>
-      <p:sp>
-        <p:nvSpPr>
-          <p:cNvPr id="3" name="Title 2">
-            <a:extLst>
-              <a:ext uri="{FF2B5EF4-FFF2-40B4-BE49-F238E27FC236}">
-                <a16:creationId xmlns:a16="http://schemas.microsoft.com/office/drawing/2014/main" id="{3D55F2D4-C20E-BEBC-1CCF-4449B0456A7E}"/>
-              </a:ext>
-            </a:extLst>
-          </p:cNvPr>
-          <p:cNvSpPr>
-            <a:spLocks noGrp="1"/>
-          </p:cNvSpPr>
-          <p:nvPr>
-            <p:ph type="title"/>
-          </p:nvPr>
-        </p:nvSpPr>
-        <p:spPr>
-          <a:xfrm>
-            <a:off x="914400" y="965393"/>
-            <a:ext cx="8159578" cy="603915"/>
-          </a:xfrm>
-        </p:spPr>
-        <p:txBody>
-          <a:bodyPr/>
-          <a:lstStyle/>
-          <a:p>
-            <a:r>
-              <a:rPr lang="en-IN" dirty="0"/>
-              <a:t>Frontend Implementation</a:t>
-            </a:r>
-            <a:endParaRPr lang="en-US" dirty="0"/>
-          </a:p>
-        </p:txBody>
-      </p:sp>
-      <p:sp>
-        <p:nvSpPr>
-          <p:cNvPr id="14" name="Content Placeholder 7">
-            <a:extLst>
-              <a:ext uri="{FF2B5EF4-FFF2-40B4-BE49-F238E27FC236}">
-                <a16:creationId xmlns:a16="http://schemas.microsoft.com/office/drawing/2014/main" id="{749C7CD1-A9AA-49E3-6734-AD9546F2DF5B}"/>
-              </a:ext>
-            </a:extLst>
-          </p:cNvPr>
-          <p:cNvSpPr>
-            <a:spLocks noGrp="1"/>
-          </p:cNvSpPr>
-          <p:nvPr>
-            <p:ph sz="half" idx="15"/>
-          </p:nvPr>
-        </p:nvSpPr>
-        <p:spPr>
-          <a:xfrm>
-            <a:off x="914400" y="1894703"/>
-            <a:ext cx="7199870" cy="4552135"/>
-          </a:xfrm>
-        </p:spPr>
-        <p:txBody>
-          <a:bodyPr>
-            <a:normAutofit/>
-          </a:bodyPr>
-          <a:lstStyle/>
-          <a:p>
-            <a:pPr marL="0" indent="0">
-              <a:buNone/>
-            </a:pPr>
-            <a:r>
-              <a:rPr lang="en-US" sz="2400" dirty="0"/>
-              <a:t>Angular Components.</a:t>
-            </a:r>
-          </a:p>
-          <a:p>
-            <a:pPr marL="0" indent="0">
-              <a:buNone/>
-            </a:pPr>
-            <a:endParaRPr lang="en-US" dirty="0"/>
-          </a:p>
-          <a:p>
-            <a:pPr marL="285750" indent="-285750">
-              <a:buFont typeface="Arial" panose="020B0604020202020204" pitchFamily="34" charset="0"/>
-              <a:buChar char="•"/>
-            </a:pPr>
-            <a:r>
-              <a:rPr lang="en-US" dirty="0"/>
-              <a:t>Student Management </a:t>
-            </a:r>
-          </a:p>
-          <a:p>
-            <a:pPr marL="285750" indent="-285750">
-              <a:buFont typeface="Arial" panose="020B0604020202020204" pitchFamily="34" charset="0"/>
-              <a:buChar char="•"/>
-            </a:pPr>
-            <a:r>
-              <a:rPr lang="en-US" dirty="0"/>
-              <a:t>Subject Management</a:t>
-            </a:r>
-          </a:p>
-          <a:p>
-            <a:pPr marL="285750" indent="-285750">
-              <a:buFont typeface="Arial" panose="020B0604020202020204" pitchFamily="34" charset="0"/>
-              <a:buChar char="•"/>
-            </a:pPr>
-            <a:r>
-              <a:rPr lang="en-US" dirty="0"/>
-              <a:t>Grade Management</a:t>
-            </a:r>
-          </a:p>
-          <a:p>
-            <a:pPr marL="285750" indent="-285750">
-              <a:buFont typeface="Arial" panose="020B0604020202020204" pitchFamily="34" charset="0"/>
-              <a:buChar char="•"/>
-            </a:pPr>
-            <a:endParaRPr lang="en-US" dirty="0"/>
-          </a:p>
-          <a:p>
-            <a:pPr marL="0" indent="0">
-              <a:buNone/>
-            </a:pPr>
-            <a:r>
-              <a:rPr lang="en-US" dirty="0"/>
-              <a:t>UI Elements </a:t>
-            </a:r>
-          </a:p>
-          <a:p>
-            <a:pPr marL="285750" indent="-285750">
-              <a:buFont typeface="Arial" panose="020B0604020202020204" pitchFamily="34" charset="0"/>
-              <a:buChar char="•"/>
-            </a:pPr>
-            <a:r>
-              <a:rPr lang="en-US" dirty="0"/>
-              <a:t> Bootstrap </a:t>
-            </a:r>
-          </a:p>
-        </p:txBody>
-      </p:sp>
-      <p:sp>
-        <p:nvSpPr>
-          <p:cNvPr id="4" name="Slide Number Placeholder 3">
-            <a:extLst>
-              <a:ext uri="{FF2B5EF4-FFF2-40B4-BE49-F238E27FC236}">
-                <a16:creationId xmlns:a16="http://schemas.microsoft.com/office/drawing/2014/main" id="{C82CE1B8-1C92-D6D2-444B-652DB90E86D1}"/>
-              </a:ext>
-            </a:extLst>
-          </p:cNvPr>
-          <p:cNvSpPr>
-            <a:spLocks noGrp="1"/>
-          </p:cNvSpPr>
-          <p:nvPr>
-            <p:ph type="sldNum" sz="quarter" idx="10"/>
-          </p:nvPr>
-        </p:nvSpPr>
-        <p:spPr>
-          <a:xfrm>
-            <a:off x="10358437" y="457199"/>
-            <a:ext cx="1067589" cy="471489"/>
-          </a:xfrm>
-        </p:spPr>
-        <p:txBody>
-          <a:bodyPr/>
-          <a:lstStyle/>
-          <a:p>
-            <a:fld id="{48F63A3B-78C7-47BE-AE5E-E10140E04643}" type="slidenum">
-              <a:rPr lang="en-US" smtClean="0"/>
-              <a:pPr/>
-              <a:t>9</a:t>
-            </a:fld>
-            <a:endParaRPr lang="en-US" dirty="0"/>
-          </a:p>
-        </p:txBody>
-      </p:sp>
-      <p:sp>
-        <p:nvSpPr>
-          <p:cNvPr id="5" name="Picture Placeholder 4">
-            <a:extLst>
-              <a:ext uri="{FF2B5EF4-FFF2-40B4-BE49-F238E27FC236}">
-                <a16:creationId xmlns:a16="http://schemas.microsoft.com/office/drawing/2014/main" id="{F4172187-0D89-4E05-F345-1C67B100918F}"/>
-              </a:ext>
-            </a:extLst>
-          </p:cNvPr>
-          <p:cNvSpPr>
-            <a:spLocks noGrp="1"/>
-          </p:cNvSpPr>
-          <p:nvPr>
-            <p:ph type="pic" sz="quarter" idx="14"/>
-          </p:nvPr>
-        </p:nvSpPr>
-        <p:spPr/>
-        <p:txBody>
-          <a:bodyPr/>
-          <a:lstStyle/>
-          <a:p>
-            <a:endParaRPr lang="en-IN"/>
-          </a:p>
-        </p:txBody>
-      </p:sp>
-    </p:spTree>
-    <p:extLst>
-      <p:ext uri="{BB962C8B-B14F-4D97-AF65-F5344CB8AC3E}">
-        <p14:creationId xmlns:p14="http://schemas.microsoft.com/office/powerpoint/2010/main" val="1941619646"/>
+        <p14:creationId xmlns:p14="http://schemas.microsoft.com/office/powerpoint/2010/main" val="1348337484"/>
       </p:ext>
     </p:extLst>
   </p:cSld>
@@ -21902,35 +22039,6 @@
 </file>
 
 <file path=customXml/item1.xml><?xml version="1.0" encoding="utf-8"?>
-<p:properties xmlns:p="http://schemas.microsoft.com/office/2006/metadata/properties" xmlns:xsi="http://www.w3.org/2001/XMLSchema-instance" xmlns:pc="http://schemas.microsoft.com/office/infopath/2007/PartnerControls">
-  <documentManagement>
-    <_ip_UnifiedCompliancePolicyUIAction xmlns="http://schemas.microsoft.com/sharepoint/v3" xsi:nil="true"/>
-    <Image xmlns="71af3243-3dd4-4a8d-8c0d-dd76da1f02a5">
-      <Url xsi:nil="true"/>
-      <Description xsi:nil="true"/>
-    </Image>
-    <Status xmlns="71af3243-3dd4-4a8d-8c0d-dd76da1f02a5">Not started</Status>
-    <Background xmlns="71af3243-3dd4-4a8d-8c0d-dd76da1f02a5">false</Background>
-    <_ip_UnifiedCompliancePolicyProperties xmlns="http://schemas.microsoft.com/sharepoint/v3" xsi:nil="true"/>
-    <ImageTagsTaxHTField xmlns="71af3243-3dd4-4a8d-8c0d-dd76da1f02a5">
-      <Terms xmlns="http://schemas.microsoft.com/office/infopath/2007/PartnerControls"/>
-    </ImageTagsTaxHTField>
-    <TaxCatchAll xmlns="230e9df3-be65-4c73-a93b-d1236ebd677e" xsi:nil="true"/>
-    <MediaServiceKeyPoints xmlns="71af3243-3dd4-4a8d-8c0d-dd76da1f02a5" xsi:nil="true"/>
-  </documentManagement>
-</p:properties>
-</file>
-
-<file path=customXml/item2.xml><?xml version="1.0" encoding="utf-8"?>
-<?mso-contentType ?>
-<FormTemplates xmlns="http://schemas.microsoft.com/sharepoint/v3/contenttype/forms">
-  <Display>DocumentLibraryForm</Display>
-  <Edit>DocumentLibraryForm</Edit>
-  <New>DocumentLibraryForm</New>
-</FormTemplates>
-</file>
-
-<file path=customXml/item3.xml><?xml version="1.0" encoding="utf-8"?>
 <ct:contentTypeSchema xmlns:ct="http://schemas.microsoft.com/office/2006/metadata/contentType" xmlns:ma="http://schemas.microsoft.com/office/2006/metadata/properties/metaAttributes" ct:_="" ma:_="" ma:contentTypeName="Document" ma:contentTypeID="0x01010079F111ED35F8CC479449609E8A0923A6" ma:contentTypeVersion="28" ma:contentTypeDescription="Create a new document." ma:contentTypeScope="" ma:versionID="60f5a4f2d2b0abadcf532d48ebf9cb71">
   <xsd:schema xmlns:xsd="http://www.w3.org/2001/XMLSchema" xmlns:xs="http://www.w3.org/2001/XMLSchema" xmlns:p="http://schemas.microsoft.com/office/2006/metadata/properties" xmlns:ns1="http://schemas.microsoft.com/sharepoint/v3" xmlns:ns2="71af3243-3dd4-4a8d-8c0d-dd76da1f02a5" xmlns:ns3="16c05727-aa75-4e4a-9b5f-8a80a1165891" xmlns:ns4="230e9df3-be65-4c73-a93b-d1236ebd677e" targetNamespace="http://schemas.microsoft.com/office/2006/metadata/properties" ma:root="true" ma:fieldsID="7dd78129e6a1811f84807ad11c651531" ns1:_="" ns2:_="" ns3:_="" ns4:_="">
     <xsd:import namespace="http://schemas.microsoft.com/sharepoint/v3"/>
@@ -22242,27 +22350,36 @@
 </ct:contentTypeSchema>
 </file>
 
-<file path=customXml/itemProps1.xml><?xml version="1.0" encoding="utf-8"?>
-<ds:datastoreItem xmlns:ds="http://schemas.openxmlformats.org/officeDocument/2006/customXml" ds:itemID="{BA719FA4-954C-4FA8-82CB-206659C3B826}">
-  <ds:schemaRefs>
-    <ds:schemaRef ds:uri="http://schemas.microsoft.com/office/2006/metadata/properties"/>
-    <ds:schemaRef ds:uri="http://schemas.microsoft.com/office/infopath/2007/PartnerControls"/>
-    <ds:schemaRef ds:uri="http://schemas.microsoft.com/sharepoint/v3"/>
-    <ds:schemaRef ds:uri="71af3243-3dd4-4a8d-8c0d-dd76da1f02a5"/>
-    <ds:schemaRef ds:uri="230e9df3-be65-4c73-a93b-d1236ebd677e"/>
-  </ds:schemaRefs>
-</ds:datastoreItem>
+<file path=customXml/item2.xml><?xml version="1.0" encoding="utf-8"?>
+<p:properties xmlns:p="http://schemas.microsoft.com/office/2006/metadata/properties" xmlns:xsi="http://www.w3.org/2001/XMLSchema-instance" xmlns:pc="http://schemas.microsoft.com/office/infopath/2007/PartnerControls">
+  <documentManagement>
+    <_ip_UnifiedCompliancePolicyUIAction xmlns="http://schemas.microsoft.com/sharepoint/v3" xsi:nil="true"/>
+    <Image xmlns="71af3243-3dd4-4a8d-8c0d-dd76da1f02a5">
+      <Url xsi:nil="true"/>
+      <Description xsi:nil="true"/>
+    </Image>
+    <Status xmlns="71af3243-3dd4-4a8d-8c0d-dd76da1f02a5">Not started</Status>
+    <Background xmlns="71af3243-3dd4-4a8d-8c0d-dd76da1f02a5">false</Background>
+    <_ip_UnifiedCompliancePolicyProperties xmlns="http://schemas.microsoft.com/sharepoint/v3" xsi:nil="true"/>
+    <ImageTagsTaxHTField xmlns="71af3243-3dd4-4a8d-8c0d-dd76da1f02a5">
+      <Terms xmlns="http://schemas.microsoft.com/office/infopath/2007/PartnerControls"/>
+    </ImageTagsTaxHTField>
+    <TaxCatchAll xmlns="230e9df3-be65-4c73-a93b-d1236ebd677e" xsi:nil="true"/>
+    <MediaServiceKeyPoints xmlns="71af3243-3dd4-4a8d-8c0d-dd76da1f02a5" xsi:nil="true"/>
+  </documentManagement>
+</p:properties>
 </file>
 
-<file path=customXml/itemProps2.xml><?xml version="1.0" encoding="utf-8"?>
-<ds:datastoreItem xmlns:ds="http://schemas.openxmlformats.org/officeDocument/2006/customXml" ds:itemID="{16DBB56F-4362-4386-A1A1-3DF898896616}">
-  <ds:schemaRefs>
-    <ds:schemaRef ds:uri="http://schemas.microsoft.com/sharepoint/v3/contenttype/forms"/>
-  </ds:schemaRefs>
-</ds:datastoreItem>
+<file path=customXml/item3.xml><?xml version="1.0" encoding="utf-8"?>
+<?mso-contentType ?>
+<FormTemplates xmlns="http://schemas.microsoft.com/sharepoint/v3/contenttype/forms">
+  <Display>DocumentLibraryForm</Display>
+  <Edit>DocumentLibraryForm</Edit>
+  <New>DocumentLibraryForm</New>
+</FormTemplates>
 </file>
 
-<file path=customXml/itemProps3.xml><?xml version="1.0" encoding="utf-8"?>
+<file path=customXml/itemProps1.xml><?xml version="1.0" encoding="utf-8"?>
 <ds:datastoreItem xmlns:ds="http://schemas.openxmlformats.org/officeDocument/2006/customXml" ds:itemID="{04948363-B267-4BAC-8655-100FBEC280C1}">
   <ds:schemaRefs>
     <ds:schemaRef ds:uri="http://schemas.microsoft.com/office/2006/metadata/contentType"/>
@@ -22283,6 +22400,26 @@
 </ds:datastoreItem>
 </file>
 
+<file path=customXml/itemProps2.xml><?xml version="1.0" encoding="utf-8"?>
+<ds:datastoreItem xmlns:ds="http://schemas.openxmlformats.org/officeDocument/2006/customXml" ds:itemID="{BA719FA4-954C-4FA8-82CB-206659C3B826}">
+  <ds:schemaRefs>
+    <ds:schemaRef ds:uri="http://schemas.microsoft.com/office/2006/metadata/properties"/>
+    <ds:schemaRef ds:uri="http://schemas.microsoft.com/office/infopath/2007/PartnerControls"/>
+    <ds:schemaRef ds:uri="http://schemas.microsoft.com/sharepoint/v3"/>
+    <ds:schemaRef ds:uri="71af3243-3dd4-4a8d-8c0d-dd76da1f02a5"/>
+    <ds:schemaRef ds:uri="230e9df3-be65-4c73-a93b-d1236ebd677e"/>
+  </ds:schemaRefs>
+</ds:datastoreItem>
+</file>
+
+<file path=customXml/itemProps3.xml><?xml version="1.0" encoding="utf-8"?>
+<ds:datastoreItem xmlns:ds="http://schemas.openxmlformats.org/officeDocument/2006/customXml" ds:itemID="{16DBB56F-4362-4386-A1A1-3DF898896616}">
+  <ds:schemaRefs>
+    <ds:schemaRef ds:uri="http://schemas.microsoft.com/sharepoint/v3/contenttype/forms"/>
+  </ds:schemaRefs>
+</ds:datastoreItem>
+</file>
+
 <file path=docMetadata/LabelInfo.xml><?xml version="1.0" encoding="utf-8"?>
 <clbl:labelList xmlns:clbl="http://schemas.microsoft.com/office/2020/mipLabelMetadata"/>
 </file>